--- a/Group_9.pptx
+++ b/Group_9.pptx
@@ -113,6 +113,3483 @@
     </a:lvl9pPr>
   </p:defaultTextStyle>
 </p:presentation>
+</file>
+
+<file path=ppt/diagrams/colors1.xml><?xml version="1.0" encoding="utf-8"?>
+<dgm:colorsDef xmlns:dgm="http://schemas.openxmlformats.org/drawingml/2006/diagram" xmlns:a="http://schemas.openxmlformats.org/drawingml/2006/main" uniqueId="urn:microsoft.com/office/officeart/2005/8/colors/accent1_2">
+  <dgm:title val=""/>
+  <dgm:desc val=""/>
+  <dgm:catLst>
+    <dgm:cat type="accent1" pri="11200"/>
+  </dgm:catLst>
+  <dgm:styleLbl name="node0">
+    <dgm:fillClrLst meth="repeat">
+      <a:schemeClr val="accent1"/>
+    </dgm:fillClrLst>
+    <dgm:linClrLst meth="repeat">
+      <a:schemeClr val="lt1"/>
+    </dgm:linClrLst>
+    <dgm:effectClrLst/>
+    <dgm:txLinClrLst/>
+    <dgm:txFillClrLst/>
+    <dgm:txEffectClrLst/>
+  </dgm:styleLbl>
+  <dgm:styleLbl name="alignNode1">
+    <dgm:fillClrLst meth="repeat">
+      <a:schemeClr val="accent1"/>
+    </dgm:fillClrLst>
+    <dgm:linClrLst meth="repeat">
+      <a:schemeClr val="accent1"/>
+    </dgm:linClrLst>
+    <dgm:effectClrLst/>
+    <dgm:txLinClrLst/>
+    <dgm:txFillClrLst/>
+    <dgm:txEffectClrLst/>
+  </dgm:styleLbl>
+  <dgm:styleLbl name="node1">
+    <dgm:fillClrLst meth="repeat">
+      <a:schemeClr val="accent1"/>
+    </dgm:fillClrLst>
+    <dgm:linClrLst meth="repeat">
+      <a:schemeClr val="lt1"/>
+    </dgm:linClrLst>
+    <dgm:effectClrLst/>
+    <dgm:txLinClrLst/>
+    <dgm:txFillClrLst/>
+    <dgm:txEffectClrLst/>
+  </dgm:styleLbl>
+  <dgm:styleLbl name="lnNode1">
+    <dgm:fillClrLst meth="repeat">
+      <a:schemeClr val="accent1"/>
+    </dgm:fillClrLst>
+    <dgm:linClrLst meth="repeat">
+      <a:schemeClr val="lt1"/>
+    </dgm:linClrLst>
+    <dgm:effectClrLst/>
+    <dgm:txLinClrLst/>
+    <dgm:txFillClrLst/>
+    <dgm:txEffectClrLst/>
+  </dgm:styleLbl>
+  <dgm:styleLbl name="vennNode1">
+    <dgm:fillClrLst meth="repeat">
+      <a:schemeClr val="accent1">
+        <a:alpha val="50000"/>
+      </a:schemeClr>
+    </dgm:fillClrLst>
+    <dgm:linClrLst meth="repeat">
+      <a:schemeClr val="lt1"/>
+    </dgm:linClrLst>
+    <dgm:effectClrLst/>
+    <dgm:txLinClrLst/>
+    <dgm:txFillClrLst/>
+    <dgm:txEffectClrLst/>
+  </dgm:styleLbl>
+  <dgm:styleLbl name="node2">
+    <dgm:fillClrLst meth="repeat">
+      <a:schemeClr val="accent1"/>
+    </dgm:fillClrLst>
+    <dgm:linClrLst meth="repeat">
+      <a:schemeClr val="lt1"/>
+    </dgm:linClrLst>
+    <dgm:effectClrLst/>
+    <dgm:txLinClrLst/>
+    <dgm:txFillClrLst/>
+    <dgm:txEffectClrLst/>
+  </dgm:styleLbl>
+  <dgm:styleLbl name="node3">
+    <dgm:fillClrLst meth="repeat">
+      <a:schemeClr val="accent1"/>
+    </dgm:fillClrLst>
+    <dgm:linClrLst meth="repeat">
+      <a:schemeClr val="lt1"/>
+    </dgm:linClrLst>
+    <dgm:effectClrLst/>
+    <dgm:txLinClrLst/>
+    <dgm:txFillClrLst/>
+    <dgm:txEffectClrLst/>
+  </dgm:styleLbl>
+  <dgm:styleLbl name="node4">
+    <dgm:fillClrLst meth="repeat">
+      <a:schemeClr val="accent1"/>
+    </dgm:fillClrLst>
+    <dgm:linClrLst meth="repeat">
+      <a:schemeClr val="lt1"/>
+    </dgm:linClrLst>
+    <dgm:effectClrLst/>
+    <dgm:txLinClrLst/>
+    <dgm:txFillClrLst/>
+    <dgm:txEffectClrLst/>
+  </dgm:styleLbl>
+  <dgm:styleLbl name="fgImgPlace1">
+    <dgm:fillClrLst meth="repeat">
+      <a:schemeClr val="accent1">
+        <a:tint val="50000"/>
+      </a:schemeClr>
+    </dgm:fillClrLst>
+    <dgm:linClrLst meth="repeat">
+      <a:schemeClr val="lt1"/>
+    </dgm:linClrLst>
+    <dgm:effectClrLst/>
+    <dgm:txLinClrLst/>
+    <dgm:txFillClrLst meth="repeat">
+      <a:schemeClr val="lt1"/>
+    </dgm:txFillClrLst>
+    <dgm:txEffectClrLst/>
+  </dgm:styleLbl>
+  <dgm:styleLbl name="alignImgPlace1">
+    <dgm:fillClrLst meth="repeat">
+      <a:schemeClr val="accent1">
+        <a:tint val="50000"/>
+      </a:schemeClr>
+    </dgm:fillClrLst>
+    <dgm:linClrLst meth="repeat">
+      <a:schemeClr val="lt1"/>
+    </dgm:linClrLst>
+    <dgm:effectClrLst/>
+    <dgm:txLinClrLst/>
+    <dgm:txFillClrLst meth="repeat">
+      <a:schemeClr val="lt1"/>
+    </dgm:txFillClrLst>
+    <dgm:txEffectClrLst/>
+  </dgm:styleLbl>
+  <dgm:styleLbl name="bgImgPlace1">
+    <dgm:fillClrLst meth="repeat">
+      <a:schemeClr val="accent1">
+        <a:tint val="50000"/>
+      </a:schemeClr>
+    </dgm:fillClrLst>
+    <dgm:linClrLst meth="repeat">
+      <a:schemeClr val="lt1"/>
+    </dgm:linClrLst>
+    <dgm:effectClrLst/>
+    <dgm:txLinClrLst/>
+    <dgm:txFillClrLst meth="repeat">
+      <a:schemeClr val="lt1"/>
+    </dgm:txFillClrLst>
+    <dgm:txEffectClrLst/>
+  </dgm:styleLbl>
+  <dgm:styleLbl name="sibTrans2D1">
+    <dgm:fillClrLst meth="repeat">
+      <a:schemeClr val="accent1">
+        <a:tint val="60000"/>
+      </a:schemeClr>
+    </dgm:fillClrLst>
+    <dgm:linClrLst meth="repeat">
+      <a:schemeClr val="accent1">
+        <a:tint val="60000"/>
+      </a:schemeClr>
+    </dgm:linClrLst>
+    <dgm:effectClrLst/>
+    <dgm:txLinClrLst/>
+    <dgm:txFillClrLst/>
+    <dgm:txEffectClrLst/>
+  </dgm:styleLbl>
+  <dgm:styleLbl name="fgSibTrans2D1">
+    <dgm:fillClrLst meth="repeat">
+      <a:schemeClr val="accent1">
+        <a:tint val="60000"/>
+      </a:schemeClr>
+    </dgm:fillClrLst>
+    <dgm:linClrLst meth="repeat">
+      <a:schemeClr val="accent1">
+        <a:tint val="60000"/>
+      </a:schemeClr>
+    </dgm:linClrLst>
+    <dgm:effectClrLst/>
+    <dgm:txLinClrLst/>
+    <dgm:txFillClrLst/>
+    <dgm:txEffectClrLst/>
+  </dgm:styleLbl>
+  <dgm:styleLbl name="bgSibTrans2D1">
+    <dgm:fillClrLst meth="repeat">
+      <a:schemeClr val="accent1">
+        <a:tint val="60000"/>
+      </a:schemeClr>
+    </dgm:fillClrLst>
+    <dgm:linClrLst meth="repeat">
+      <a:schemeClr val="accent1">
+        <a:tint val="60000"/>
+      </a:schemeClr>
+    </dgm:linClrLst>
+    <dgm:effectClrLst/>
+    <dgm:txLinClrLst/>
+    <dgm:txFillClrLst/>
+    <dgm:txEffectClrLst/>
+  </dgm:styleLbl>
+  <dgm:styleLbl name="sibTrans1D1">
+    <dgm:fillClrLst meth="repeat">
+      <a:schemeClr val="accent1"/>
+    </dgm:fillClrLst>
+    <dgm:linClrLst meth="repeat">
+      <a:schemeClr val="accent1"/>
+    </dgm:linClrLst>
+    <dgm:effectClrLst/>
+    <dgm:txLinClrLst/>
+    <dgm:txFillClrLst meth="repeat">
+      <a:schemeClr val="tx1"/>
+    </dgm:txFillClrLst>
+    <dgm:txEffectClrLst/>
+  </dgm:styleLbl>
+  <dgm:styleLbl name="callout">
+    <dgm:fillClrLst meth="repeat">
+      <a:schemeClr val="accent1"/>
+    </dgm:fillClrLst>
+    <dgm:linClrLst meth="repeat">
+      <a:schemeClr val="accent1">
+        <a:tint val="50000"/>
+      </a:schemeClr>
+    </dgm:linClrLst>
+    <dgm:effectClrLst/>
+    <dgm:txLinClrLst/>
+    <dgm:txFillClrLst meth="repeat">
+      <a:schemeClr val="tx1"/>
+    </dgm:txFillClrLst>
+    <dgm:txEffectClrLst/>
+  </dgm:styleLbl>
+  <dgm:styleLbl name="asst0">
+    <dgm:fillClrLst meth="repeat">
+      <a:schemeClr val="accent1"/>
+    </dgm:fillClrLst>
+    <dgm:linClrLst meth="repeat">
+      <a:schemeClr val="lt1"/>
+    </dgm:linClrLst>
+    <dgm:effectClrLst/>
+    <dgm:txLinClrLst/>
+    <dgm:txFillClrLst/>
+    <dgm:txEffectClrLst/>
+  </dgm:styleLbl>
+  <dgm:styleLbl name="asst1">
+    <dgm:fillClrLst meth="repeat">
+      <a:schemeClr val="accent1"/>
+    </dgm:fillClrLst>
+    <dgm:linClrLst meth="repeat">
+      <a:schemeClr val="lt1"/>
+    </dgm:linClrLst>
+    <dgm:effectClrLst/>
+    <dgm:txLinClrLst/>
+    <dgm:txFillClrLst/>
+    <dgm:txEffectClrLst/>
+  </dgm:styleLbl>
+  <dgm:styleLbl name="asst2">
+    <dgm:fillClrLst meth="repeat">
+      <a:schemeClr val="accent1"/>
+    </dgm:fillClrLst>
+    <dgm:linClrLst meth="repeat">
+      <a:schemeClr val="lt1"/>
+    </dgm:linClrLst>
+    <dgm:effectClrLst/>
+    <dgm:txLinClrLst/>
+    <dgm:txFillClrLst/>
+    <dgm:txEffectClrLst/>
+  </dgm:styleLbl>
+  <dgm:styleLbl name="asst3">
+    <dgm:fillClrLst meth="repeat">
+      <a:schemeClr val="accent1"/>
+    </dgm:fillClrLst>
+    <dgm:linClrLst meth="repeat">
+      <a:schemeClr val="lt1"/>
+    </dgm:linClrLst>
+    <dgm:effectClrLst/>
+    <dgm:txLinClrLst/>
+    <dgm:txFillClrLst/>
+    <dgm:txEffectClrLst/>
+  </dgm:styleLbl>
+  <dgm:styleLbl name="asst4">
+    <dgm:fillClrLst meth="repeat">
+      <a:schemeClr val="accent1"/>
+    </dgm:fillClrLst>
+    <dgm:linClrLst meth="repeat">
+      <a:schemeClr val="lt1"/>
+    </dgm:linClrLst>
+    <dgm:effectClrLst/>
+    <dgm:txLinClrLst/>
+    <dgm:txFillClrLst/>
+    <dgm:txEffectClrLst/>
+  </dgm:styleLbl>
+  <dgm:styleLbl name="parChTrans2D1">
+    <dgm:fillClrLst meth="repeat">
+      <a:schemeClr val="accent1">
+        <a:tint val="60000"/>
+      </a:schemeClr>
+    </dgm:fillClrLst>
+    <dgm:linClrLst meth="repeat">
+      <a:schemeClr val="accent1">
+        <a:tint val="60000"/>
+      </a:schemeClr>
+    </dgm:linClrLst>
+    <dgm:effectClrLst/>
+    <dgm:txLinClrLst/>
+    <dgm:txFillClrLst meth="repeat">
+      <a:schemeClr val="lt1"/>
+    </dgm:txFillClrLst>
+    <dgm:txEffectClrLst/>
+  </dgm:styleLbl>
+  <dgm:styleLbl name="parChTrans2D2">
+    <dgm:fillClrLst meth="repeat">
+      <a:schemeClr val="accent1"/>
+    </dgm:fillClrLst>
+    <dgm:linClrLst meth="repeat">
+      <a:schemeClr val="accent1"/>
+    </dgm:linClrLst>
+    <dgm:effectClrLst/>
+    <dgm:txLinClrLst/>
+    <dgm:txFillClrLst meth="repeat">
+      <a:schemeClr val="lt1"/>
+    </dgm:txFillClrLst>
+    <dgm:txEffectClrLst/>
+  </dgm:styleLbl>
+  <dgm:styleLbl name="parChTrans2D3">
+    <dgm:fillClrLst meth="repeat">
+      <a:schemeClr val="accent1"/>
+    </dgm:fillClrLst>
+    <dgm:linClrLst meth="repeat">
+      <a:schemeClr val="accent1"/>
+    </dgm:linClrLst>
+    <dgm:effectClrLst/>
+    <dgm:txLinClrLst/>
+    <dgm:txFillClrLst meth="repeat">
+      <a:schemeClr val="lt1"/>
+    </dgm:txFillClrLst>
+    <dgm:txEffectClrLst/>
+  </dgm:styleLbl>
+  <dgm:styleLbl name="parChTrans2D4">
+    <dgm:fillClrLst meth="repeat">
+      <a:schemeClr val="accent1"/>
+    </dgm:fillClrLst>
+    <dgm:linClrLst meth="repeat">
+      <a:schemeClr val="accent1"/>
+    </dgm:linClrLst>
+    <dgm:effectClrLst/>
+    <dgm:txLinClrLst/>
+    <dgm:txFillClrLst meth="repeat">
+      <a:schemeClr val="lt1"/>
+    </dgm:txFillClrLst>
+    <dgm:txEffectClrLst/>
+  </dgm:styleLbl>
+  <dgm:styleLbl name="parChTrans1D1">
+    <dgm:fillClrLst meth="repeat">
+      <a:schemeClr val="accent1"/>
+    </dgm:fillClrLst>
+    <dgm:linClrLst meth="repeat">
+      <a:schemeClr val="accent1">
+        <a:shade val="60000"/>
+      </a:schemeClr>
+    </dgm:linClrLst>
+    <dgm:effectClrLst/>
+    <dgm:txLinClrLst/>
+    <dgm:txFillClrLst meth="repeat">
+      <a:schemeClr val="tx1"/>
+    </dgm:txFillClrLst>
+    <dgm:txEffectClrLst/>
+  </dgm:styleLbl>
+  <dgm:styleLbl name="parChTrans1D2">
+    <dgm:fillClrLst meth="repeat">
+      <a:schemeClr val="accent1"/>
+    </dgm:fillClrLst>
+    <dgm:linClrLst meth="repeat">
+      <a:schemeClr val="accent1">
+        <a:shade val="60000"/>
+      </a:schemeClr>
+    </dgm:linClrLst>
+    <dgm:effectClrLst/>
+    <dgm:txLinClrLst/>
+    <dgm:txFillClrLst meth="repeat">
+      <a:schemeClr val="tx1"/>
+    </dgm:txFillClrLst>
+    <dgm:txEffectClrLst/>
+  </dgm:styleLbl>
+  <dgm:styleLbl name="parChTrans1D3">
+    <dgm:fillClrLst meth="repeat">
+      <a:schemeClr val="accent1"/>
+    </dgm:fillClrLst>
+    <dgm:linClrLst meth="repeat">
+      <a:schemeClr val="accent1">
+        <a:shade val="80000"/>
+      </a:schemeClr>
+    </dgm:linClrLst>
+    <dgm:effectClrLst/>
+    <dgm:txLinClrLst/>
+    <dgm:txFillClrLst meth="repeat">
+      <a:schemeClr val="tx1"/>
+    </dgm:txFillClrLst>
+    <dgm:txEffectClrLst/>
+  </dgm:styleLbl>
+  <dgm:styleLbl name="parChTrans1D4">
+    <dgm:fillClrLst meth="repeat">
+      <a:schemeClr val="accent1"/>
+    </dgm:fillClrLst>
+    <dgm:linClrLst meth="repeat">
+      <a:schemeClr val="accent1">
+        <a:shade val="80000"/>
+      </a:schemeClr>
+    </dgm:linClrLst>
+    <dgm:effectClrLst/>
+    <dgm:txLinClrLst/>
+    <dgm:txFillClrLst meth="repeat">
+      <a:schemeClr val="tx1"/>
+    </dgm:txFillClrLst>
+    <dgm:txEffectClrLst/>
+  </dgm:styleLbl>
+  <dgm:styleLbl name="fgAcc1">
+    <dgm:fillClrLst meth="repeat">
+      <a:schemeClr val="lt1">
+        <a:alpha val="90000"/>
+      </a:schemeClr>
+    </dgm:fillClrLst>
+    <dgm:linClrLst meth="repeat">
+      <a:schemeClr val="accent1"/>
+    </dgm:linClrLst>
+    <dgm:effectClrLst/>
+    <dgm:txLinClrLst/>
+    <dgm:txFillClrLst meth="repeat">
+      <a:schemeClr val="dk1"/>
+    </dgm:txFillClrLst>
+    <dgm:txEffectClrLst/>
+  </dgm:styleLbl>
+  <dgm:styleLbl name="conFgAcc1">
+    <dgm:fillClrLst meth="repeat">
+      <a:schemeClr val="lt1">
+        <a:alpha val="90000"/>
+      </a:schemeClr>
+    </dgm:fillClrLst>
+    <dgm:linClrLst meth="repeat">
+      <a:schemeClr val="accent1"/>
+    </dgm:linClrLst>
+    <dgm:effectClrLst/>
+    <dgm:txLinClrLst/>
+    <dgm:txFillClrLst meth="repeat">
+      <a:schemeClr val="dk1"/>
+    </dgm:txFillClrLst>
+    <dgm:txEffectClrLst/>
+  </dgm:styleLbl>
+  <dgm:styleLbl name="alignAcc1">
+    <dgm:fillClrLst meth="repeat">
+      <a:schemeClr val="lt1">
+        <a:alpha val="90000"/>
+      </a:schemeClr>
+    </dgm:fillClrLst>
+    <dgm:linClrLst meth="repeat">
+      <a:schemeClr val="accent1"/>
+    </dgm:linClrLst>
+    <dgm:effectClrLst/>
+    <dgm:txLinClrLst/>
+    <dgm:txFillClrLst meth="repeat">
+      <a:schemeClr val="dk1"/>
+    </dgm:txFillClrLst>
+    <dgm:txEffectClrLst/>
+  </dgm:styleLbl>
+  <dgm:styleLbl name="trAlignAcc1">
+    <dgm:fillClrLst meth="repeat">
+      <a:schemeClr val="lt1">
+        <a:alpha val="40000"/>
+      </a:schemeClr>
+    </dgm:fillClrLst>
+    <dgm:linClrLst meth="repeat">
+      <a:schemeClr val="accent1"/>
+    </dgm:linClrLst>
+    <dgm:effectClrLst/>
+    <dgm:txLinClrLst/>
+    <dgm:txFillClrLst meth="repeat">
+      <a:schemeClr val="dk1"/>
+    </dgm:txFillClrLst>
+    <dgm:txEffectClrLst/>
+  </dgm:styleLbl>
+  <dgm:styleLbl name="bgAcc1">
+    <dgm:fillClrLst meth="repeat">
+      <a:schemeClr val="lt1">
+        <a:alpha val="90000"/>
+      </a:schemeClr>
+    </dgm:fillClrLst>
+    <dgm:linClrLst meth="repeat">
+      <a:schemeClr val="accent1"/>
+    </dgm:linClrLst>
+    <dgm:effectClrLst/>
+    <dgm:txLinClrLst/>
+    <dgm:txFillClrLst meth="repeat">
+      <a:schemeClr val="dk1"/>
+    </dgm:txFillClrLst>
+    <dgm:txEffectClrLst/>
+  </dgm:styleLbl>
+  <dgm:styleLbl name="solidFgAcc1">
+    <dgm:fillClrLst meth="repeat">
+      <a:schemeClr val="lt1"/>
+    </dgm:fillClrLst>
+    <dgm:linClrLst meth="repeat">
+      <a:schemeClr val="accent1"/>
+    </dgm:linClrLst>
+    <dgm:effectClrLst/>
+    <dgm:txLinClrLst/>
+    <dgm:txFillClrLst meth="repeat">
+      <a:schemeClr val="dk1"/>
+    </dgm:txFillClrLst>
+    <dgm:txEffectClrLst/>
+  </dgm:styleLbl>
+  <dgm:styleLbl name="solidAlignAcc1">
+    <dgm:fillClrLst meth="repeat">
+      <a:schemeClr val="lt1"/>
+    </dgm:fillClrLst>
+    <dgm:linClrLst meth="repeat">
+      <a:schemeClr val="accent1"/>
+    </dgm:linClrLst>
+    <dgm:effectClrLst/>
+    <dgm:txLinClrLst/>
+    <dgm:txFillClrLst meth="repeat">
+      <a:schemeClr val="dk1"/>
+    </dgm:txFillClrLst>
+    <dgm:txEffectClrLst/>
+  </dgm:styleLbl>
+  <dgm:styleLbl name="solidBgAcc1">
+    <dgm:fillClrLst meth="repeat">
+      <a:schemeClr val="lt1"/>
+    </dgm:fillClrLst>
+    <dgm:linClrLst meth="repeat">
+      <a:schemeClr val="accent1"/>
+    </dgm:linClrLst>
+    <dgm:effectClrLst/>
+    <dgm:txLinClrLst/>
+    <dgm:txFillClrLst meth="repeat">
+      <a:schemeClr val="dk1"/>
+    </dgm:txFillClrLst>
+    <dgm:txEffectClrLst/>
+  </dgm:styleLbl>
+  <dgm:styleLbl name="fgAccFollowNode1">
+    <dgm:fillClrLst meth="repeat">
+      <a:schemeClr val="accent1">
+        <a:alpha val="90000"/>
+        <a:tint val="40000"/>
+      </a:schemeClr>
+    </dgm:fillClrLst>
+    <dgm:linClrLst meth="repeat">
+      <a:schemeClr val="accent1">
+        <a:alpha val="90000"/>
+        <a:tint val="40000"/>
+      </a:schemeClr>
+    </dgm:linClrLst>
+    <dgm:effectClrLst/>
+    <dgm:txLinClrLst/>
+    <dgm:txFillClrLst meth="repeat">
+      <a:schemeClr val="dk1"/>
+    </dgm:txFillClrLst>
+    <dgm:txEffectClrLst/>
+  </dgm:styleLbl>
+  <dgm:styleLbl name="alignAccFollowNode1">
+    <dgm:fillClrLst meth="repeat">
+      <a:schemeClr val="accent1">
+        <a:alpha val="90000"/>
+        <a:tint val="40000"/>
+      </a:schemeClr>
+    </dgm:fillClrLst>
+    <dgm:linClrLst meth="repeat">
+      <a:schemeClr val="accent1">
+        <a:alpha val="90000"/>
+        <a:tint val="40000"/>
+      </a:schemeClr>
+    </dgm:linClrLst>
+    <dgm:effectClrLst/>
+    <dgm:txLinClrLst/>
+    <dgm:txFillClrLst meth="repeat">
+      <a:schemeClr val="dk1"/>
+    </dgm:txFillClrLst>
+    <dgm:txEffectClrLst/>
+  </dgm:styleLbl>
+  <dgm:styleLbl name="bgAccFollowNode1">
+    <dgm:fillClrLst meth="repeat">
+      <a:schemeClr val="accent1">
+        <a:alpha val="90000"/>
+        <a:tint val="40000"/>
+      </a:schemeClr>
+    </dgm:fillClrLst>
+    <dgm:linClrLst meth="repeat">
+      <a:schemeClr val="accent1">
+        <a:alpha val="90000"/>
+        <a:tint val="40000"/>
+      </a:schemeClr>
+    </dgm:linClrLst>
+    <dgm:effectClrLst/>
+    <dgm:txLinClrLst/>
+    <dgm:txFillClrLst meth="repeat">
+      <a:schemeClr val="dk1"/>
+    </dgm:txFillClrLst>
+    <dgm:txEffectClrLst/>
+  </dgm:styleLbl>
+  <dgm:styleLbl name="fgAcc0">
+    <dgm:fillClrLst meth="repeat">
+      <a:schemeClr val="lt1">
+        <a:alpha val="90000"/>
+      </a:schemeClr>
+    </dgm:fillClrLst>
+    <dgm:linClrLst meth="repeat">
+      <a:schemeClr val="accent1"/>
+    </dgm:linClrLst>
+    <dgm:effectClrLst/>
+    <dgm:txLinClrLst/>
+    <dgm:txFillClrLst meth="repeat">
+      <a:schemeClr val="dk1"/>
+    </dgm:txFillClrLst>
+    <dgm:txEffectClrLst/>
+  </dgm:styleLbl>
+  <dgm:styleLbl name="fgAcc2">
+    <dgm:fillClrLst meth="repeat">
+      <a:schemeClr val="lt1">
+        <a:alpha val="90000"/>
+      </a:schemeClr>
+    </dgm:fillClrLst>
+    <dgm:linClrLst meth="repeat">
+      <a:schemeClr val="accent1"/>
+    </dgm:linClrLst>
+    <dgm:effectClrLst/>
+    <dgm:txLinClrLst/>
+    <dgm:txFillClrLst meth="repeat">
+      <a:schemeClr val="dk1"/>
+    </dgm:txFillClrLst>
+    <dgm:txEffectClrLst/>
+  </dgm:styleLbl>
+  <dgm:styleLbl name="fgAcc3">
+    <dgm:fillClrLst meth="repeat">
+      <a:schemeClr val="lt1">
+        <a:alpha val="90000"/>
+      </a:schemeClr>
+    </dgm:fillClrLst>
+    <dgm:linClrLst meth="repeat">
+      <a:schemeClr val="accent1"/>
+    </dgm:linClrLst>
+    <dgm:effectClrLst/>
+    <dgm:txLinClrLst/>
+    <dgm:txFillClrLst meth="repeat">
+      <a:schemeClr val="dk1"/>
+    </dgm:txFillClrLst>
+    <dgm:txEffectClrLst/>
+  </dgm:styleLbl>
+  <dgm:styleLbl name="fgAcc4">
+    <dgm:fillClrLst meth="repeat">
+      <a:schemeClr val="lt1">
+        <a:alpha val="90000"/>
+      </a:schemeClr>
+    </dgm:fillClrLst>
+    <dgm:linClrLst meth="repeat">
+      <a:schemeClr val="accent1"/>
+    </dgm:linClrLst>
+    <dgm:effectClrLst/>
+    <dgm:txLinClrLst/>
+    <dgm:txFillClrLst meth="repeat">
+      <a:schemeClr val="dk1"/>
+    </dgm:txFillClrLst>
+    <dgm:txEffectClrLst/>
+  </dgm:styleLbl>
+  <dgm:styleLbl name="bgShp">
+    <dgm:fillClrLst meth="repeat">
+      <a:schemeClr val="accent1">
+        <a:tint val="40000"/>
+      </a:schemeClr>
+    </dgm:fillClrLst>
+    <dgm:linClrLst meth="repeat">
+      <a:schemeClr val="accent1"/>
+    </dgm:linClrLst>
+    <dgm:effectClrLst/>
+    <dgm:txLinClrLst/>
+    <dgm:txFillClrLst meth="repeat">
+      <a:schemeClr val="dk1"/>
+    </dgm:txFillClrLst>
+    <dgm:txEffectClrLst/>
+  </dgm:styleLbl>
+  <dgm:styleLbl name="dkBgShp">
+    <dgm:fillClrLst meth="repeat">
+      <a:schemeClr val="accent1">
+        <a:shade val="80000"/>
+      </a:schemeClr>
+    </dgm:fillClrLst>
+    <dgm:linClrLst meth="repeat">
+      <a:schemeClr val="accent1"/>
+    </dgm:linClrLst>
+    <dgm:effectClrLst/>
+    <dgm:txLinClrLst/>
+    <dgm:txFillClrLst meth="repeat">
+      <a:schemeClr val="lt1"/>
+    </dgm:txFillClrLst>
+    <dgm:txEffectClrLst/>
+  </dgm:styleLbl>
+  <dgm:styleLbl name="trBgShp">
+    <dgm:fillClrLst meth="repeat">
+      <a:schemeClr val="accent1">
+        <a:tint val="50000"/>
+        <a:alpha val="40000"/>
+      </a:schemeClr>
+    </dgm:fillClrLst>
+    <dgm:linClrLst meth="repeat">
+      <a:schemeClr val="accent1"/>
+    </dgm:linClrLst>
+    <dgm:effectClrLst/>
+    <dgm:txLinClrLst/>
+    <dgm:txFillClrLst meth="repeat">
+      <a:schemeClr val="lt1"/>
+    </dgm:txFillClrLst>
+    <dgm:txEffectClrLst/>
+  </dgm:styleLbl>
+  <dgm:styleLbl name="fgShp">
+    <dgm:fillClrLst meth="repeat">
+      <a:schemeClr val="accent1">
+        <a:tint val="60000"/>
+      </a:schemeClr>
+    </dgm:fillClrLst>
+    <dgm:linClrLst meth="repeat">
+      <a:schemeClr val="lt1"/>
+    </dgm:linClrLst>
+    <dgm:effectClrLst/>
+    <dgm:txLinClrLst/>
+    <dgm:txFillClrLst meth="repeat">
+      <a:schemeClr val="dk1"/>
+    </dgm:txFillClrLst>
+    <dgm:txEffectClrLst/>
+  </dgm:styleLbl>
+  <dgm:styleLbl name="revTx">
+    <dgm:fillClrLst meth="repeat">
+      <a:schemeClr val="lt1">
+        <a:alpha val="0"/>
+      </a:schemeClr>
+    </dgm:fillClrLst>
+    <dgm:linClrLst meth="repeat">
+      <a:schemeClr val="dk1">
+        <a:alpha val="0"/>
+      </a:schemeClr>
+    </dgm:linClrLst>
+    <dgm:effectClrLst/>
+    <dgm:txLinClrLst/>
+    <dgm:txFillClrLst meth="repeat">
+      <a:schemeClr val="tx1"/>
+    </dgm:txFillClrLst>
+    <dgm:txEffectClrLst/>
+  </dgm:styleLbl>
+</dgm:colorsDef>
+</file>
+
+<file path=ppt/diagrams/data1.xml><?xml version="1.0" encoding="utf-8"?>
+<dgm:dataModel xmlns:dgm="http://schemas.openxmlformats.org/drawingml/2006/diagram" xmlns:a="http://schemas.openxmlformats.org/drawingml/2006/main">
+  <dgm:ptLst>
+    <dgm:pt modelId="{8101302B-4DF1-4053-BBFB-E47432988279}" type="doc">
+      <dgm:prSet loTypeId="urn:microsoft.com/office/officeart/2005/8/layout/process3" loCatId="process" qsTypeId="urn:microsoft.com/office/officeart/2005/8/quickstyle/simple1" qsCatId="simple" csTypeId="urn:microsoft.com/office/officeart/2005/8/colors/accent1_2" csCatId="accent1" phldr="1"/>
+      <dgm:spPr/>
+    </dgm:pt>
+    <dgm:pt modelId="{FBB42BE7-DCA3-4C01-B8AE-50983946580C}">
+      <dgm:prSet phldrT="[Text]"/>
+      <dgm:spPr/>
+      <dgm:t>
+        <a:bodyPr/>
+        <a:lstStyle/>
+        <a:p>
+          <a:r>
+            <a:rPr lang="en-US" dirty="0"/>
+            <a:t>Data Input</a:t>
+          </a:r>
+        </a:p>
+      </dgm:t>
+    </dgm:pt>
+    <dgm:pt modelId="{E54E332E-C636-4CD3-8F7C-5C061BBABE46}" type="parTrans" cxnId="{880A3296-65D3-4815-8DB9-74C0A8FE2B57}">
+      <dgm:prSet/>
+      <dgm:spPr/>
+      <dgm:t>
+        <a:bodyPr/>
+        <a:lstStyle/>
+        <a:p>
+          <a:endParaRPr lang="en-US"/>
+        </a:p>
+      </dgm:t>
+    </dgm:pt>
+    <dgm:pt modelId="{B6C3BA3C-46E0-4DC0-B8D0-336C3D7E9790}" type="sibTrans" cxnId="{880A3296-65D3-4815-8DB9-74C0A8FE2B57}">
+      <dgm:prSet/>
+      <dgm:spPr/>
+      <dgm:t>
+        <a:bodyPr/>
+        <a:lstStyle/>
+        <a:p>
+          <a:endParaRPr lang="en-US"/>
+        </a:p>
+      </dgm:t>
+    </dgm:pt>
+    <dgm:pt modelId="{6183303C-C945-452D-A254-C2EC9464EB0C}">
+      <dgm:prSet phldrT="[Text]"/>
+      <dgm:spPr/>
+      <dgm:t>
+        <a:bodyPr/>
+        <a:lstStyle/>
+        <a:p>
+          <a:r>
+            <a:rPr lang="en-US" dirty="0"/>
+            <a:t>Model Building</a:t>
+          </a:r>
+        </a:p>
+      </dgm:t>
+    </dgm:pt>
+    <dgm:pt modelId="{D9D33469-057A-4C85-9108-DB5C4D007AB0}" type="parTrans" cxnId="{F4669ED5-2235-43A9-858E-12DF65AA833E}">
+      <dgm:prSet/>
+      <dgm:spPr/>
+      <dgm:t>
+        <a:bodyPr/>
+        <a:lstStyle/>
+        <a:p>
+          <a:endParaRPr lang="en-US"/>
+        </a:p>
+      </dgm:t>
+    </dgm:pt>
+    <dgm:pt modelId="{44C60760-A635-40A5-9D0E-FB6396C7B4F3}" type="sibTrans" cxnId="{F4669ED5-2235-43A9-858E-12DF65AA833E}">
+      <dgm:prSet/>
+      <dgm:spPr/>
+      <dgm:t>
+        <a:bodyPr/>
+        <a:lstStyle/>
+        <a:p>
+          <a:endParaRPr lang="en-US"/>
+        </a:p>
+      </dgm:t>
+    </dgm:pt>
+    <dgm:pt modelId="{392198E7-F215-4D55-9D99-4E375C4F808E}">
+      <dgm:prSet phldrT="[Text]"/>
+      <dgm:spPr/>
+      <dgm:t>
+        <a:bodyPr/>
+        <a:lstStyle/>
+        <a:p>
+          <a:r>
+            <a:rPr lang="en-US" dirty="0"/>
+            <a:t>Prediction</a:t>
+          </a:r>
+        </a:p>
+      </dgm:t>
+    </dgm:pt>
+    <dgm:pt modelId="{0F1A6C70-E31E-49B4-8103-96E44EABE506}" type="parTrans" cxnId="{3C7DA250-D776-426B-A6B6-01188C4911AD}">
+      <dgm:prSet/>
+      <dgm:spPr/>
+      <dgm:t>
+        <a:bodyPr/>
+        <a:lstStyle/>
+        <a:p>
+          <a:endParaRPr lang="en-US"/>
+        </a:p>
+      </dgm:t>
+    </dgm:pt>
+    <dgm:pt modelId="{683690CC-9E82-43A6-95F5-854577F5BFA0}" type="sibTrans" cxnId="{3C7DA250-D776-426B-A6B6-01188C4911AD}">
+      <dgm:prSet/>
+      <dgm:spPr/>
+      <dgm:t>
+        <a:bodyPr/>
+        <a:lstStyle/>
+        <a:p>
+          <a:endParaRPr lang="en-US"/>
+        </a:p>
+      </dgm:t>
+    </dgm:pt>
+    <dgm:pt modelId="{C4521D90-6DBA-4403-BB7C-877359012D80}">
+      <dgm:prSet phldrT="[Text]"/>
+      <dgm:spPr/>
+      <dgm:t>
+        <a:bodyPr/>
+        <a:lstStyle/>
+        <a:p>
+          <a:r>
+            <a:rPr lang="en-US" dirty="0"/>
+            <a:t>Customers</a:t>
+          </a:r>
+        </a:p>
+      </dgm:t>
+    </dgm:pt>
+    <dgm:pt modelId="{44F1C24D-2F81-4C51-9CD3-3A150EA24B0C}" type="parTrans" cxnId="{E0ABF951-872C-4DE7-B083-F9F8A0365F33}">
+      <dgm:prSet/>
+      <dgm:spPr/>
+      <dgm:t>
+        <a:bodyPr/>
+        <a:lstStyle/>
+        <a:p>
+          <a:endParaRPr lang="en-US"/>
+        </a:p>
+      </dgm:t>
+    </dgm:pt>
+    <dgm:pt modelId="{A9399F3F-C6A7-49A4-8BD9-F8714DAE91C2}" type="sibTrans" cxnId="{E0ABF951-872C-4DE7-B083-F9F8A0365F33}">
+      <dgm:prSet/>
+      <dgm:spPr/>
+      <dgm:t>
+        <a:bodyPr/>
+        <a:lstStyle/>
+        <a:p>
+          <a:endParaRPr lang="en-US"/>
+        </a:p>
+      </dgm:t>
+    </dgm:pt>
+    <dgm:pt modelId="{D6D8DCF6-D039-43B7-9204-20513011B71A}">
+      <dgm:prSet phldrT="[Text]"/>
+      <dgm:spPr/>
+      <dgm:t>
+        <a:bodyPr/>
+        <a:lstStyle/>
+        <a:p>
+          <a:r>
+            <a:rPr lang="en-US" dirty="0"/>
+            <a:t>Registrations</a:t>
+          </a:r>
+        </a:p>
+      </dgm:t>
+    </dgm:pt>
+    <dgm:pt modelId="{8412E0E0-E9EC-4BEB-8830-78ABC968296C}" type="parTrans" cxnId="{C07B304E-7990-4AE4-B4AC-886412C57E61}">
+      <dgm:prSet/>
+      <dgm:spPr/>
+      <dgm:t>
+        <a:bodyPr/>
+        <a:lstStyle/>
+        <a:p>
+          <a:endParaRPr lang="en-US"/>
+        </a:p>
+      </dgm:t>
+    </dgm:pt>
+    <dgm:pt modelId="{99B52EEA-79ED-4461-A264-EC6F7455453D}" type="sibTrans" cxnId="{C07B304E-7990-4AE4-B4AC-886412C57E61}">
+      <dgm:prSet/>
+      <dgm:spPr/>
+      <dgm:t>
+        <a:bodyPr/>
+        <a:lstStyle/>
+        <a:p>
+          <a:endParaRPr lang="en-US"/>
+        </a:p>
+      </dgm:t>
+    </dgm:pt>
+    <dgm:pt modelId="{19D9FB00-BC1F-4159-8816-0E1D8380A384}">
+      <dgm:prSet phldrT="[Text]"/>
+      <dgm:spPr/>
+      <dgm:t>
+        <a:bodyPr/>
+        <a:lstStyle/>
+        <a:p>
+          <a:r>
+            <a:rPr lang="en-US" dirty="0"/>
+            <a:t>Purchases </a:t>
+          </a:r>
+        </a:p>
+      </dgm:t>
+    </dgm:pt>
+    <dgm:pt modelId="{6B9D607A-300A-47D9-A569-CC8F1A39A3AB}" type="parTrans" cxnId="{3BBF12A0-C8C9-4D5C-9969-C53BF3F86876}">
+      <dgm:prSet/>
+      <dgm:spPr/>
+      <dgm:t>
+        <a:bodyPr/>
+        <a:lstStyle/>
+        <a:p>
+          <a:endParaRPr lang="en-US"/>
+        </a:p>
+      </dgm:t>
+    </dgm:pt>
+    <dgm:pt modelId="{4F14F6CD-28E2-45C5-B539-192C482E9E32}" type="sibTrans" cxnId="{3BBF12A0-C8C9-4D5C-9969-C53BF3F86876}">
+      <dgm:prSet/>
+      <dgm:spPr/>
+      <dgm:t>
+        <a:bodyPr/>
+        <a:lstStyle/>
+        <a:p>
+          <a:endParaRPr lang="en-US"/>
+        </a:p>
+      </dgm:t>
+    </dgm:pt>
+    <dgm:pt modelId="{1D7EDAAB-BFE1-4FD6-ABE1-D92D5333B3C0}">
+      <dgm:prSet phldrT="[Text]"/>
+      <dgm:spPr/>
+      <dgm:t>
+        <a:bodyPr/>
+        <a:lstStyle/>
+        <a:p>
+          <a:r>
+            <a:rPr lang="en-US" dirty="0"/>
+            <a:t>Create combined Dataset</a:t>
+          </a:r>
+        </a:p>
+      </dgm:t>
+    </dgm:pt>
+    <dgm:pt modelId="{A26017D4-A674-40A1-A07E-FEF0A584F7BF}" type="parTrans" cxnId="{663C9109-49B5-42EF-828B-95F0BD78C98F}">
+      <dgm:prSet/>
+      <dgm:spPr/>
+      <dgm:t>
+        <a:bodyPr/>
+        <a:lstStyle/>
+        <a:p>
+          <a:endParaRPr lang="en-US"/>
+        </a:p>
+      </dgm:t>
+    </dgm:pt>
+    <dgm:pt modelId="{E00EC4C1-FFB9-4A1D-8CA9-B4F15CB8C9F2}" type="sibTrans" cxnId="{663C9109-49B5-42EF-828B-95F0BD78C98F}">
+      <dgm:prSet/>
+      <dgm:spPr/>
+      <dgm:t>
+        <a:bodyPr/>
+        <a:lstStyle/>
+        <a:p>
+          <a:endParaRPr lang="en-US"/>
+        </a:p>
+      </dgm:t>
+    </dgm:pt>
+    <dgm:pt modelId="{AAC0779F-4981-454D-B505-6C8D26B4D408}">
+      <dgm:prSet phldrT="[Text]"/>
+      <dgm:spPr/>
+      <dgm:t>
+        <a:bodyPr/>
+        <a:lstStyle/>
+        <a:p>
+          <a:r>
+            <a:rPr lang="en-US" dirty="0"/>
+            <a:t>Output logistic regression object</a:t>
+          </a:r>
+        </a:p>
+      </dgm:t>
+    </dgm:pt>
+    <dgm:pt modelId="{827EB734-6B18-42F9-901F-D17028EC8A48}" type="parTrans" cxnId="{EE301C77-9DC9-48A7-AACB-8B793B1ED66D}">
+      <dgm:prSet/>
+      <dgm:spPr/>
+      <dgm:t>
+        <a:bodyPr/>
+        <a:lstStyle/>
+        <a:p>
+          <a:endParaRPr lang="en-US"/>
+        </a:p>
+      </dgm:t>
+    </dgm:pt>
+    <dgm:pt modelId="{4CF98618-47A5-472A-968F-82002CEB7B65}" type="sibTrans" cxnId="{EE301C77-9DC9-48A7-AACB-8B793B1ED66D}">
+      <dgm:prSet/>
+      <dgm:spPr/>
+      <dgm:t>
+        <a:bodyPr/>
+        <a:lstStyle/>
+        <a:p>
+          <a:endParaRPr lang="en-US"/>
+        </a:p>
+      </dgm:t>
+    </dgm:pt>
+    <dgm:pt modelId="{5CD23448-E79A-4840-B06B-F221CAA7257F}">
+      <dgm:prSet phldrT="[Text]"/>
+      <dgm:spPr/>
+      <dgm:t>
+        <a:bodyPr/>
+        <a:lstStyle/>
+        <a:p>
+          <a:endParaRPr lang="en-US" dirty="0"/>
+        </a:p>
+      </dgm:t>
+    </dgm:pt>
+    <dgm:pt modelId="{D089D681-60C4-4578-8AA3-E91EEE71D3DB}" type="parTrans" cxnId="{124D21D5-9E1F-4A64-8414-0B6C4FEB7D76}">
+      <dgm:prSet/>
+      <dgm:spPr/>
+      <dgm:t>
+        <a:bodyPr/>
+        <a:lstStyle/>
+        <a:p>
+          <a:endParaRPr lang="en-US"/>
+        </a:p>
+      </dgm:t>
+    </dgm:pt>
+    <dgm:pt modelId="{D3374AD2-D0BB-4E10-89B9-726B3912BFC1}" type="sibTrans" cxnId="{124D21D5-9E1F-4A64-8414-0B6C4FEB7D76}">
+      <dgm:prSet/>
+      <dgm:spPr/>
+      <dgm:t>
+        <a:bodyPr/>
+        <a:lstStyle/>
+        <a:p>
+          <a:endParaRPr lang="en-US"/>
+        </a:p>
+      </dgm:t>
+    </dgm:pt>
+    <dgm:pt modelId="{E8FED5E3-0CE5-4778-B3A8-7CBD7CA5C36C}">
+      <dgm:prSet phldrT="[Text]"/>
+      <dgm:spPr/>
+      <dgm:t>
+        <a:bodyPr/>
+        <a:lstStyle/>
+        <a:p>
+          <a:r>
+            <a:rPr lang="en-US" dirty="0"/>
+            <a:t>Input data</a:t>
+          </a:r>
+        </a:p>
+      </dgm:t>
+    </dgm:pt>
+    <dgm:pt modelId="{3140337C-B42D-4AD6-A6EE-0296EBF960D7}" type="parTrans" cxnId="{746272F7-1FB6-4CD7-963D-1071C0D72F91}">
+      <dgm:prSet/>
+      <dgm:spPr/>
+      <dgm:t>
+        <a:bodyPr/>
+        <a:lstStyle/>
+        <a:p>
+          <a:endParaRPr lang="en-US"/>
+        </a:p>
+      </dgm:t>
+    </dgm:pt>
+    <dgm:pt modelId="{93489503-A188-404B-BEE9-B6FE1B210913}" type="sibTrans" cxnId="{746272F7-1FB6-4CD7-963D-1071C0D72F91}">
+      <dgm:prSet/>
+      <dgm:spPr/>
+      <dgm:t>
+        <a:bodyPr/>
+        <a:lstStyle/>
+        <a:p>
+          <a:endParaRPr lang="en-US"/>
+        </a:p>
+      </dgm:t>
+    </dgm:pt>
+    <dgm:pt modelId="{28D3E180-DDC9-42CD-8279-C0F09DDBA341}">
+      <dgm:prSet/>
+      <dgm:spPr/>
+      <dgm:t>
+        <a:bodyPr/>
+        <a:lstStyle/>
+        <a:p>
+          <a:r>
+            <a:rPr lang="en-US" dirty="0"/>
+            <a:t>Input logistic regression object</a:t>
+          </a:r>
+        </a:p>
+      </dgm:t>
+    </dgm:pt>
+    <dgm:pt modelId="{9EBE3B98-0830-4503-A8A6-5C7967400A18}" type="parTrans" cxnId="{A5F104F7-0FCA-42D7-86FB-4AF8737817FF}">
+      <dgm:prSet/>
+      <dgm:spPr/>
+      <dgm:t>
+        <a:bodyPr/>
+        <a:lstStyle/>
+        <a:p>
+          <a:endParaRPr lang="en-US"/>
+        </a:p>
+      </dgm:t>
+    </dgm:pt>
+    <dgm:pt modelId="{E1734AE1-FC47-49F0-B45E-0F1F8BFA6D6A}" type="sibTrans" cxnId="{A5F104F7-0FCA-42D7-86FB-4AF8737817FF}">
+      <dgm:prSet/>
+      <dgm:spPr/>
+      <dgm:t>
+        <a:bodyPr/>
+        <a:lstStyle/>
+        <a:p>
+          <a:endParaRPr lang="en-US"/>
+        </a:p>
+      </dgm:t>
+    </dgm:pt>
+    <dgm:pt modelId="{9945CCF7-3E9B-41C9-B016-BE36C986C2F5}">
+      <dgm:prSet/>
+      <dgm:spPr/>
+      <dgm:t>
+        <a:bodyPr/>
+        <a:lstStyle/>
+        <a:p>
+          <a:r>
+            <a:rPr lang="en-US" dirty="0"/>
+            <a:t>Input new registrations &amp; customers </a:t>
+          </a:r>
+          <a:r>
+            <a:rPr lang="en-US" dirty="0" err="1"/>
+            <a:t>dataframes</a:t>
+          </a:r>
+          <a:endParaRPr lang="en-US" dirty="0"/>
+        </a:p>
+      </dgm:t>
+    </dgm:pt>
+    <dgm:pt modelId="{F85A6A05-DC50-4CD8-92A8-CE5013302A12}" type="parTrans" cxnId="{9BFA5736-7C5D-41AA-A4F3-DB5D5DA0579C}">
+      <dgm:prSet/>
+      <dgm:spPr/>
+      <dgm:t>
+        <a:bodyPr/>
+        <a:lstStyle/>
+        <a:p>
+          <a:endParaRPr lang="en-US"/>
+        </a:p>
+      </dgm:t>
+    </dgm:pt>
+    <dgm:pt modelId="{A4553ADF-BCDD-479B-8C75-66D1DC601FF0}" type="sibTrans" cxnId="{9BFA5736-7C5D-41AA-A4F3-DB5D5DA0579C}">
+      <dgm:prSet/>
+      <dgm:spPr/>
+      <dgm:t>
+        <a:bodyPr/>
+        <a:lstStyle/>
+        <a:p>
+          <a:endParaRPr lang="en-US"/>
+        </a:p>
+      </dgm:t>
+    </dgm:pt>
+    <dgm:pt modelId="{EBE70657-C251-44C0-BC39-8B5A9362CA09}">
+      <dgm:prSet/>
+      <dgm:spPr/>
+      <dgm:t>
+        <a:bodyPr/>
+        <a:lstStyle/>
+        <a:p>
+          <a:r>
+            <a:rPr lang="en-US" dirty="0"/>
+            <a:t>Output Probability of Purchase</a:t>
+          </a:r>
+        </a:p>
+      </dgm:t>
+    </dgm:pt>
+    <dgm:pt modelId="{A3AA2F8F-2EBD-4021-A420-1B49EB4CE0EE}" type="parTrans" cxnId="{2AF01D3B-8AE8-4E2F-BA10-239080ECCFFC}">
+      <dgm:prSet/>
+      <dgm:spPr/>
+      <dgm:t>
+        <a:bodyPr/>
+        <a:lstStyle/>
+        <a:p>
+          <a:endParaRPr lang="en-US"/>
+        </a:p>
+      </dgm:t>
+    </dgm:pt>
+    <dgm:pt modelId="{409857A9-78E5-4DBA-83F8-34681EAC1BD0}" type="sibTrans" cxnId="{2AF01D3B-8AE8-4E2F-BA10-239080ECCFFC}">
+      <dgm:prSet/>
+      <dgm:spPr/>
+      <dgm:t>
+        <a:bodyPr/>
+        <a:lstStyle/>
+        <a:p>
+          <a:endParaRPr lang="en-US"/>
+        </a:p>
+      </dgm:t>
+    </dgm:pt>
+    <dgm:pt modelId="{86591258-9AB2-4201-A695-590A54425236}" type="pres">
+      <dgm:prSet presAssocID="{8101302B-4DF1-4053-BBFB-E47432988279}" presName="linearFlow" presStyleCnt="0">
+        <dgm:presLayoutVars>
+          <dgm:dir/>
+          <dgm:animLvl val="lvl"/>
+          <dgm:resizeHandles val="exact"/>
+        </dgm:presLayoutVars>
+      </dgm:prSet>
+      <dgm:spPr/>
+    </dgm:pt>
+    <dgm:pt modelId="{C80F466D-74E1-4F37-B7A3-8737539E0411}" type="pres">
+      <dgm:prSet presAssocID="{FBB42BE7-DCA3-4C01-B8AE-50983946580C}" presName="composite" presStyleCnt="0"/>
+      <dgm:spPr/>
+    </dgm:pt>
+    <dgm:pt modelId="{AA09C4B5-C592-43A6-BAA5-40E5CF0F0433}" type="pres">
+      <dgm:prSet presAssocID="{FBB42BE7-DCA3-4C01-B8AE-50983946580C}" presName="parTx" presStyleLbl="node1" presStyleIdx="0" presStyleCnt="3">
+        <dgm:presLayoutVars>
+          <dgm:chMax val="0"/>
+          <dgm:chPref val="0"/>
+          <dgm:bulletEnabled val="1"/>
+        </dgm:presLayoutVars>
+      </dgm:prSet>
+      <dgm:spPr/>
+    </dgm:pt>
+    <dgm:pt modelId="{1449FCB5-A067-4E4A-8B7F-AEA572EE5FA0}" type="pres">
+      <dgm:prSet presAssocID="{FBB42BE7-DCA3-4C01-B8AE-50983946580C}" presName="parSh" presStyleLbl="node1" presStyleIdx="0" presStyleCnt="3"/>
+      <dgm:spPr/>
+    </dgm:pt>
+    <dgm:pt modelId="{D0F458EB-DD80-4631-A44C-4CA39F2514CC}" type="pres">
+      <dgm:prSet presAssocID="{FBB42BE7-DCA3-4C01-B8AE-50983946580C}" presName="desTx" presStyleLbl="fgAcc1" presStyleIdx="0" presStyleCnt="3">
+        <dgm:presLayoutVars>
+          <dgm:bulletEnabled val="1"/>
+        </dgm:presLayoutVars>
+      </dgm:prSet>
+      <dgm:spPr/>
+    </dgm:pt>
+    <dgm:pt modelId="{16B1A195-FCE7-469E-8F01-E2BD3B39E9EB}" type="pres">
+      <dgm:prSet presAssocID="{B6C3BA3C-46E0-4DC0-B8D0-336C3D7E9790}" presName="sibTrans" presStyleLbl="sibTrans2D1" presStyleIdx="0" presStyleCnt="2"/>
+      <dgm:spPr/>
+    </dgm:pt>
+    <dgm:pt modelId="{8945D848-79FC-4F8D-9268-1EE6FEACA07C}" type="pres">
+      <dgm:prSet presAssocID="{B6C3BA3C-46E0-4DC0-B8D0-336C3D7E9790}" presName="connTx" presStyleLbl="sibTrans2D1" presStyleIdx="0" presStyleCnt="2"/>
+      <dgm:spPr/>
+    </dgm:pt>
+    <dgm:pt modelId="{A8C295C2-4078-4A1C-9ADC-E925DF8E77CA}" type="pres">
+      <dgm:prSet presAssocID="{6183303C-C945-452D-A254-C2EC9464EB0C}" presName="composite" presStyleCnt="0"/>
+      <dgm:spPr/>
+    </dgm:pt>
+    <dgm:pt modelId="{A193AACE-9EDB-4CE4-8EFC-661D401BBD6F}" type="pres">
+      <dgm:prSet presAssocID="{6183303C-C945-452D-A254-C2EC9464EB0C}" presName="parTx" presStyleLbl="node1" presStyleIdx="0" presStyleCnt="3">
+        <dgm:presLayoutVars>
+          <dgm:chMax val="0"/>
+          <dgm:chPref val="0"/>
+          <dgm:bulletEnabled val="1"/>
+        </dgm:presLayoutVars>
+      </dgm:prSet>
+      <dgm:spPr/>
+    </dgm:pt>
+    <dgm:pt modelId="{CA42E7E3-4D2F-4EB1-89D4-72EDC282F304}" type="pres">
+      <dgm:prSet presAssocID="{6183303C-C945-452D-A254-C2EC9464EB0C}" presName="parSh" presStyleLbl="node1" presStyleIdx="1" presStyleCnt="3"/>
+      <dgm:spPr/>
+    </dgm:pt>
+    <dgm:pt modelId="{411FE6D6-D32A-43E8-8955-5E9A768C8157}" type="pres">
+      <dgm:prSet presAssocID="{6183303C-C945-452D-A254-C2EC9464EB0C}" presName="desTx" presStyleLbl="fgAcc1" presStyleIdx="1" presStyleCnt="3">
+        <dgm:presLayoutVars>
+          <dgm:bulletEnabled val="1"/>
+        </dgm:presLayoutVars>
+      </dgm:prSet>
+      <dgm:spPr/>
+    </dgm:pt>
+    <dgm:pt modelId="{B4409AE3-56A3-4AB0-B552-8FBAC8305972}" type="pres">
+      <dgm:prSet presAssocID="{44C60760-A635-40A5-9D0E-FB6396C7B4F3}" presName="sibTrans" presStyleLbl="sibTrans2D1" presStyleIdx="1" presStyleCnt="2"/>
+      <dgm:spPr/>
+    </dgm:pt>
+    <dgm:pt modelId="{554D0AEA-A79B-4D86-821E-28FB15C1203A}" type="pres">
+      <dgm:prSet presAssocID="{44C60760-A635-40A5-9D0E-FB6396C7B4F3}" presName="connTx" presStyleLbl="sibTrans2D1" presStyleIdx="1" presStyleCnt="2"/>
+      <dgm:spPr/>
+    </dgm:pt>
+    <dgm:pt modelId="{21FB6991-91DE-4C4B-A8FA-56580AEBB489}" type="pres">
+      <dgm:prSet presAssocID="{392198E7-F215-4D55-9D99-4E375C4F808E}" presName="composite" presStyleCnt="0"/>
+      <dgm:spPr/>
+    </dgm:pt>
+    <dgm:pt modelId="{B36AE29A-2AA1-4B09-BAE5-1768CAEC7F83}" type="pres">
+      <dgm:prSet presAssocID="{392198E7-F215-4D55-9D99-4E375C4F808E}" presName="parTx" presStyleLbl="node1" presStyleIdx="1" presStyleCnt="3">
+        <dgm:presLayoutVars>
+          <dgm:chMax val="0"/>
+          <dgm:chPref val="0"/>
+          <dgm:bulletEnabled val="1"/>
+        </dgm:presLayoutVars>
+      </dgm:prSet>
+      <dgm:spPr/>
+    </dgm:pt>
+    <dgm:pt modelId="{F476553C-4FF2-4E8E-A5C3-D2D5EE68EE79}" type="pres">
+      <dgm:prSet presAssocID="{392198E7-F215-4D55-9D99-4E375C4F808E}" presName="parSh" presStyleLbl="node1" presStyleIdx="2" presStyleCnt="3"/>
+      <dgm:spPr/>
+    </dgm:pt>
+    <dgm:pt modelId="{0EB1850F-ABDA-4796-AFAC-2CE501CA46B3}" type="pres">
+      <dgm:prSet presAssocID="{392198E7-F215-4D55-9D99-4E375C4F808E}" presName="desTx" presStyleLbl="fgAcc1" presStyleIdx="2" presStyleCnt="3">
+        <dgm:presLayoutVars>
+          <dgm:bulletEnabled val="1"/>
+        </dgm:presLayoutVars>
+      </dgm:prSet>
+      <dgm:spPr/>
+    </dgm:pt>
+  </dgm:ptLst>
+  <dgm:cxnLst>
+    <dgm:cxn modelId="{4E73DC02-FBDB-4B07-BDDB-669639CF5A19}" type="presOf" srcId="{FBB42BE7-DCA3-4C01-B8AE-50983946580C}" destId="{1449FCB5-A067-4E4A-8B7F-AEA572EE5FA0}" srcOrd="1" destOrd="0" presId="urn:microsoft.com/office/officeart/2005/8/layout/process3"/>
+    <dgm:cxn modelId="{3A8FD006-6266-4F7F-A12A-2F1EADD75E2E}" type="presOf" srcId="{9945CCF7-3E9B-41C9-B016-BE36C986C2F5}" destId="{0EB1850F-ABDA-4796-AFAC-2CE501CA46B3}" srcOrd="0" destOrd="1" presId="urn:microsoft.com/office/officeart/2005/8/layout/process3"/>
+    <dgm:cxn modelId="{663C9109-49B5-42EF-828B-95F0BD78C98F}" srcId="{6183303C-C945-452D-A254-C2EC9464EB0C}" destId="{1D7EDAAB-BFE1-4FD6-ABE1-D92D5333B3C0}" srcOrd="1" destOrd="0" parTransId="{A26017D4-A674-40A1-A07E-FEF0A584F7BF}" sibTransId="{E00EC4C1-FFB9-4A1D-8CA9-B4F15CB8C9F2}"/>
+    <dgm:cxn modelId="{C2D3FF22-8641-4C31-BF7D-2143008F8093}" type="presOf" srcId="{44C60760-A635-40A5-9D0E-FB6396C7B4F3}" destId="{B4409AE3-56A3-4AB0-B552-8FBAC8305972}" srcOrd="0" destOrd="0" presId="urn:microsoft.com/office/officeart/2005/8/layout/process3"/>
+    <dgm:cxn modelId="{BA905725-9BF1-471A-88D8-A98B9269C04F}" type="presOf" srcId="{6183303C-C945-452D-A254-C2EC9464EB0C}" destId="{A193AACE-9EDB-4CE4-8EFC-661D401BBD6F}" srcOrd="0" destOrd="0" presId="urn:microsoft.com/office/officeart/2005/8/layout/process3"/>
+    <dgm:cxn modelId="{AC04642F-81EF-4AC9-8A36-0912EEB0AE90}" type="presOf" srcId="{1D7EDAAB-BFE1-4FD6-ABE1-D92D5333B3C0}" destId="{411FE6D6-D32A-43E8-8955-5E9A768C8157}" srcOrd="0" destOrd="1" presId="urn:microsoft.com/office/officeart/2005/8/layout/process3"/>
+    <dgm:cxn modelId="{7E310035-4C8D-4760-B28F-C4BF172C9E08}" type="presOf" srcId="{AAC0779F-4981-454D-B505-6C8D26B4D408}" destId="{411FE6D6-D32A-43E8-8955-5E9A768C8157}" srcOrd="0" destOrd="2" presId="urn:microsoft.com/office/officeart/2005/8/layout/process3"/>
+    <dgm:cxn modelId="{9BFA5736-7C5D-41AA-A4F3-DB5D5DA0579C}" srcId="{392198E7-F215-4D55-9D99-4E375C4F808E}" destId="{9945CCF7-3E9B-41C9-B016-BE36C986C2F5}" srcOrd="1" destOrd="0" parTransId="{F85A6A05-DC50-4CD8-92A8-CE5013302A12}" sibTransId="{A4553ADF-BCDD-479B-8C75-66D1DC601FF0}"/>
+    <dgm:cxn modelId="{2AF01D3B-8AE8-4E2F-BA10-239080ECCFFC}" srcId="{392198E7-F215-4D55-9D99-4E375C4F808E}" destId="{EBE70657-C251-44C0-BC39-8B5A9362CA09}" srcOrd="2" destOrd="0" parTransId="{A3AA2F8F-2EBD-4021-A420-1B49EB4CE0EE}" sibTransId="{409857A9-78E5-4DBA-83F8-34681EAC1BD0}"/>
+    <dgm:cxn modelId="{37CA7D46-5680-423F-B84F-D0AB2FAF8049}" type="presOf" srcId="{D6D8DCF6-D039-43B7-9204-20513011B71A}" destId="{D0F458EB-DD80-4631-A44C-4CA39F2514CC}" srcOrd="0" destOrd="1" presId="urn:microsoft.com/office/officeart/2005/8/layout/process3"/>
+    <dgm:cxn modelId="{C07B304E-7990-4AE4-B4AC-886412C57E61}" srcId="{FBB42BE7-DCA3-4C01-B8AE-50983946580C}" destId="{D6D8DCF6-D039-43B7-9204-20513011B71A}" srcOrd="1" destOrd="0" parTransId="{8412E0E0-E9EC-4BEB-8830-78ABC968296C}" sibTransId="{99B52EEA-79ED-4461-A264-EC6F7455453D}"/>
+    <dgm:cxn modelId="{1A9DB36E-CC1E-4BE9-A257-FD9D281FB5E1}" type="presOf" srcId="{44C60760-A635-40A5-9D0E-FB6396C7B4F3}" destId="{554D0AEA-A79B-4D86-821E-28FB15C1203A}" srcOrd="1" destOrd="0" presId="urn:microsoft.com/office/officeart/2005/8/layout/process3"/>
+    <dgm:cxn modelId="{3C7DA250-D776-426B-A6B6-01188C4911AD}" srcId="{8101302B-4DF1-4053-BBFB-E47432988279}" destId="{392198E7-F215-4D55-9D99-4E375C4F808E}" srcOrd="2" destOrd="0" parTransId="{0F1A6C70-E31E-49B4-8103-96E44EABE506}" sibTransId="{683690CC-9E82-43A6-95F5-854577F5BFA0}"/>
+    <dgm:cxn modelId="{E0ABF951-872C-4DE7-B083-F9F8A0365F33}" srcId="{FBB42BE7-DCA3-4C01-B8AE-50983946580C}" destId="{C4521D90-6DBA-4403-BB7C-877359012D80}" srcOrd="0" destOrd="0" parTransId="{44F1C24D-2F81-4C51-9CD3-3A150EA24B0C}" sibTransId="{A9399F3F-C6A7-49A4-8BD9-F8714DAE91C2}"/>
+    <dgm:cxn modelId="{EE301C77-9DC9-48A7-AACB-8B793B1ED66D}" srcId="{6183303C-C945-452D-A254-C2EC9464EB0C}" destId="{AAC0779F-4981-454D-B505-6C8D26B4D408}" srcOrd="2" destOrd="0" parTransId="{827EB734-6B18-42F9-901F-D17028EC8A48}" sibTransId="{4CF98618-47A5-472A-968F-82002CEB7B65}"/>
+    <dgm:cxn modelId="{5E27E77F-0CC4-4317-8F1D-963C39857EFB}" type="presOf" srcId="{8101302B-4DF1-4053-BBFB-E47432988279}" destId="{86591258-9AB2-4201-A695-590A54425236}" srcOrd="0" destOrd="0" presId="urn:microsoft.com/office/officeart/2005/8/layout/process3"/>
+    <dgm:cxn modelId="{5613E28D-A3BF-4994-AB13-3E432A75DC01}" type="presOf" srcId="{392198E7-F215-4D55-9D99-4E375C4F808E}" destId="{B36AE29A-2AA1-4B09-BAE5-1768CAEC7F83}" srcOrd="0" destOrd="0" presId="urn:microsoft.com/office/officeart/2005/8/layout/process3"/>
+    <dgm:cxn modelId="{880A3296-65D3-4815-8DB9-74C0A8FE2B57}" srcId="{8101302B-4DF1-4053-BBFB-E47432988279}" destId="{FBB42BE7-DCA3-4C01-B8AE-50983946580C}" srcOrd="0" destOrd="0" parTransId="{E54E332E-C636-4CD3-8F7C-5C061BBABE46}" sibTransId="{B6C3BA3C-46E0-4DC0-B8D0-336C3D7E9790}"/>
+    <dgm:cxn modelId="{3BBF12A0-C8C9-4D5C-9969-C53BF3F86876}" srcId="{FBB42BE7-DCA3-4C01-B8AE-50983946580C}" destId="{19D9FB00-BC1F-4159-8816-0E1D8380A384}" srcOrd="2" destOrd="0" parTransId="{6B9D607A-300A-47D9-A569-CC8F1A39A3AB}" sibTransId="{4F14F6CD-28E2-45C5-B539-192C482E9E32}"/>
+    <dgm:cxn modelId="{F5A73EAB-0737-4970-9188-6343448CD871}" type="presOf" srcId="{EBE70657-C251-44C0-BC39-8B5A9362CA09}" destId="{0EB1850F-ABDA-4796-AFAC-2CE501CA46B3}" srcOrd="0" destOrd="2" presId="urn:microsoft.com/office/officeart/2005/8/layout/process3"/>
+    <dgm:cxn modelId="{AAEF01AE-E592-496E-8C86-F8B048A69095}" type="presOf" srcId="{6183303C-C945-452D-A254-C2EC9464EB0C}" destId="{CA42E7E3-4D2F-4EB1-89D4-72EDC282F304}" srcOrd="1" destOrd="0" presId="urn:microsoft.com/office/officeart/2005/8/layout/process3"/>
+    <dgm:cxn modelId="{913A7ABA-16B5-485D-9E36-4CDAD151A59E}" type="presOf" srcId="{FBB42BE7-DCA3-4C01-B8AE-50983946580C}" destId="{AA09C4B5-C592-43A6-BAA5-40E5CF0F0433}" srcOrd="0" destOrd="0" presId="urn:microsoft.com/office/officeart/2005/8/layout/process3"/>
+    <dgm:cxn modelId="{053EC1BA-33D0-46E5-A5F6-0612F63204CB}" type="presOf" srcId="{5CD23448-E79A-4840-B06B-F221CAA7257F}" destId="{411FE6D6-D32A-43E8-8955-5E9A768C8157}" srcOrd="0" destOrd="3" presId="urn:microsoft.com/office/officeart/2005/8/layout/process3"/>
+    <dgm:cxn modelId="{2A72F2C2-1B2D-4892-B43B-62BF73942386}" type="presOf" srcId="{C4521D90-6DBA-4403-BB7C-877359012D80}" destId="{D0F458EB-DD80-4631-A44C-4CA39F2514CC}" srcOrd="0" destOrd="0" presId="urn:microsoft.com/office/officeart/2005/8/layout/process3"/>
+    <dgm:cxn modelId="{1BC7CBC9-BC3F-4EA1-A1CA-3409AF861EAA}" type="presOf" srcId="{19D9FB00-BC1F-4159-8816-0E1D8380A384}" destId="{D0F458EB-DD80-4631-A44C-4CA39F2514CC}" srcOrd="0" destOrd="2" presId="urn:microsoft.com/office/officeart/2005/8/layout/process3"/>
+    <dgm:cxn modelId="{7AFF52D3-C501-40BE-921D-FE23D5FE1E4A}" type="presOf" srcId="{B6C3BA3C-46E0-4DC0-B8D0-336C3D7E9790}" destId="{8945D848-79FC-4F8D-9268-1EE6FEACA07C}" srcOrd="1" destOrd="0" presId="urn:microsoft.com/office/officeart/2005/8/layout/process3"/>
+    <dgm:cxn modelId="{6758B2D3-EE8F-4E55-BB9E-6A22755092A3}" type="presOf" srcId="{B6C3BA3C-46E0-4DC0-B8D0-336C3D7E9790}" destId="{16B1A195-FCE7-469E-8F01-E2BD3B39E9EB}" srcOrd="0" destOrd="0" presId="urn:microsoft.com/office/officeart/2005/8/layout/process3"/>
+    <dgm:cxn modelId="{124D21D5-9E1F-4A64-8414-0B6C4FEB7D76}" srcId="{6183303C-C945-452D-A254-C2EC9464EB0C}" destId="{5CD23448-E79A-4840-B06B-F221CAA7257F}" srcOrd="3" destOrd="0" parTransId="{D089D681-60C4-4578-8AA3-E91EEE71D3DB}" sibTransId="{D3374AD2-D0BB-4E10-89B9-726B3912BFC1}"/>
+    <dgm:cxn modelId="{F4669ED5-2235-43A9-858E-12DF65AA833E}" srcId="{8101302B-4DF1-4053-BBFB-E47432988279}" destId="{6183303C-C945-452D-A254-C2EC9464EB0C}" srcOrd="1" destOrd="0" parTransId="{D9D33469-057A-4C85-9108-DB5C4D007AB0}" sibTransId="{44C60760-A635-40A5-9D0E-FB6396C7B4F3}"/>
+    <dgm:cxn modelId="{C4F38CE8-3DF9-4048-A936-51EB2CEC68DF}" type="presOf" srcId="{E8FED5E3-0CE5-4778-B3A8-7CBD7CA5C36C}" destId="{411FE6D6-D32A-43E8-8955-5E9A768C8157}" srcOrd="0" destOrd="0" presId="urn:microsoft.com/office/officeart/2005/8/layout/process3"/>
+    <dgm:cxn modelId="{0D88D8EB-96A2-423F-8BC3-DB497EDF0AFC}" type="presOf" srcId="{28D3E180-DDC9-42CD-8279-C0F09DDBA341}" destId="{0EB1850F-ABDA-4796-AFAC-2CE501CA46B3}" srcOrd="0" destOrd="0" presId="urn:microsoft.com/office/officeart/2005/8/layout/process3"/>
+    <dgm:cxn modelId="{46424DED-F3FB-4B39-A3C6-3526BDCF3821}" type="presOf" srcId="{392198E7-F215-4D55-9D99-4E375C4F808E}" destId="{F476553C-4FF2-4E8E-A5C3-D2D5EE68EE79}" srcOrd="1" destOrd="0" presId="urn:microsoft.com/office/officeart/2005/8/layout/process3"/>
+    <dgm:cxn modelId="{A5F104F7-0FCA-42D7-86FB-4AF8737817FF}" srcId="{392198E7-F215-4D55-9D99-4E375C4F808E}" destId="{28D3E180-DDC9-42CD-8279-C0F09DDBA341}" srcOrd="0" destOrd="0" parTransId="{9EBE3B98-0830-4503-A8A6-5C7967400A18}" sibTransId="{E1734AE1-FC47-49F0-B45E-0F1F8BFA6D6A}"/>
+    <dgm:cxn modelId="{746272F7-1FB6-4CD7-963D-1071C0D72F91}" srcId="{6183303C-C945-452D-A254-C2EC9464EB0C}" destId="{E8FED5E3-0CE5-4778-B3A8-7CBD7CA5C36C}" srcOrd="0" destOrd="0" parTransId="{3140337C-B42D-4AD6-A6EE-0296EBF960D7}" sibTransId="{93489503-A188-404B-BEE9-B6FE1B210913}"/>
+    <dgm:cxn modelId="{17A00CB3-AA1A-4C35-A7AD-C317400AD8D1}" type="presParOf" srcId="{86591258-9AB2-4201-A695-590A54425236}" destId="{C80F466D-74E1-4F37-B7A3-8737539E0411}" srcOrd="0" destOrd="0" presId="urn:microsoft.com/office/officeart/2005/8/layout/process3"/>
+    <dgm:cxn modelId="{4F86D8DE-7944-4839-8BA8-C76F00B976E1}" type="presParOf" srcId="{C80F466D-74E1-4F37-B7A3-8737539E0411}" destId="{AA09C4B5-C592-43A6-BAA5-40E5CF0F0433}" srcOrd="0" destOrd="0" presId="urn:microsoft.com/office/officeart/2005/8/layout/process3"/>
+    <dgm:cxn modelId="{1C82100F-8367-405D-A82C-8AC5BC8665CE}" type="presParOf" srcId="{C80F466D-74E1-4F37-B7A3-8737539E0411}" destId="{1449FCB5-A067-4E4A-8B7F-AEA572EE5FA0}" srcOrd="1" destOrd="0" presId="urn:microsoft.com/office/officeart/2005/8/layout/process3"/>
+    <dgm:cxn modelId="{BBE0F472-5DCD-409D-81C3-9FB23DA76D99}" type="presParOf" srcId="{C80F466D-74E1-4F37-B7A3-8737539E0411}" destId="{D0F458EB-DD80-4631-A44C-4CA39F2514CC}" srcOrd="2" destOrd="0" presId="urn:microsoft.com/office/officeart/2005/8/layout/process3"/>
+    <dgm:cxn modelId="{89B78469-6247-4963-98AB-137FA88A6D22}" type="presParOf" srcId="{86591258-9AB2-4201-A695-590A54425236}" destId="{16B1A195-FCE7-469E-8F01-E2BD3B39E9EB}" srcOrd="1" destOrd="0" presId="urn:microsoft.com/office/officeart/2005/8/layout/process3"/>
+    <dgm:cxn modelId="{7A686F70-FD54-4692-A653-BBD8CD65BF25}" type="presParOf" srcId="{16B1A195-FCE7-469E-8F01-E2BD3B39E9EB}" destId="{8945D848-79FC-4F8D-9268-1EE6FEACA07C}" srcOrd="0" destOrd="0" presId="urn:microsoft.com/office/officeart/2005/8/layout/process3"/>
+    <dgm:cxn modelId="{C3F7D4D8-BA9E-40AE-B57E-51C899D8E090}" type="presParOf" srcId="{86591258-9AB2-4201-A695-590A54425236}" destId="{A8C295C2-4078-4A1C-9ADC-E925DF8E77CA}" srcOrd="2" destOrd="0" presId="urn:microsoft.com/office/officeart/2005/8/layout/process3"/>
+    <dgm:cxn modelId="{A1DB8959-6AE9-4C69-B18B-BB660C1272B8}" type="presParOf" srcId="{A8C295C2-4078-4A1C-9ADC-E925DF8E77CA}" destId="{A193AACE-9EDB-4CE4-8EFC-661D401BBD6F}" srcOrd="0" destOrd="0" presId="urn:microsoft.com/office/officeart/2005/8/layout/process3"/>
+    <dgm:cxn modelId="{4AEF2123-1B79-4A8D-8F82-56FA56380721}" type="presParOf" srcId="{A8C295C2-4078-4A1C-9ADC-E925DF8E77CA}" destId="{CA42E7E3-4D2F-4EB1-89D4-72EDC282F304}" srcOrd="1" destOrd="0" presId="urn:microsoft.com/office/officeart/2005/8/layout/process3"/>
+    <dgm:cxn modelId="{A7C424AB-0066-49AB-B814-94AB3BA3F239}" type="presParOf" srcId="{A8C295C2-4078-4A1C-9ADC-E925DF8E77CA}" destId="{411FE6D6-D32A-43E8-8955-5E9A768C8157}" srcOrd="2" destOrd="0" presId="urn:microsoft.com/office/officeart/2005/8/layout/process3"/>
+    <dgm:cxn modelId="{A946EF45-20B3-4811-8AEA-79B4638F2699}" type="presParOf" srcId="{86591258-9AB2-4201-A695-590A54425236}" destId="{B4409AE3-56A3-4AB0-B552-8FBAC8305972}" srcOrd="3" destOrd="0" presId="urn:microsoft.com/office/officeart/2005/8/layout/process3"/>
+    <dgm:cxn modelId="{B2CD7AE0-9022-4CE3-831E-0C3D6696B590}" type="presParOf" srcId="{B4409AE3-56A3-4AB0-B552-8FBAC8305972}" destId="{554D0AEA-A79B-4D86-821E-28FB15C1203A}" srcOrd="0" destOrd="0" presId="urn:microsoft.com/office/officeart/2005/8/layout/process3"/>
+    <dgm:cxn modelId="{4A1507C8-479E-4939-B6EC-914A05E023AA}" type="presParOf" srcId="{86591258-9AB2-4201-A695-590A54425236}" destId="{21FB6991-91DE-4C4B-A8FA-56580AEBB489}" srcOrd="4" destOrd="0" presId="urn:microsoft.com/office/officeart/2005/8/layout/process3"/>
+    <dgm:cxn modelId="{3A21EDBC-2C8A-451F-B6FB-8E1A5834860C}" type="presParOf" srcId="{21FB6991-91DE-4C4B-A8FA-56580AEBB489}" destId="{B36AE29A-2AA1-4B09-BAE5-1768CAEC7F83}" srcOrd="0" destOrd="0" presId="urn:microsoft.com/office/officeart/2005/8/layout/process3"/>
+    <dgm:cxn modelId="{FF3ACBA8-AC1F-4F53-B991-0842CA0F23F3}" type="presParOf" srcId="{21FB6991-91DE-4C4B-A8FA-56580AEBB489}" destId="{F476553C-4FF2-4E8E-A5C3-D2D5EE68EE79}" srcOrd="1" destOrd="0" presId="urn:microsoft.com/office/officeart/2005/8/layout/process3"/>
+    <dgm:cxn modelId="{050B0AF9-6AEF-4B03-9134-562BB16BF120}" type="presParOf" srcId="{21FB6991-91DE-4C4B-A8FA-56580AEBB489}" destId="{0EB1850F-ABDA-4796-AFAC-2CE501CA46B3}" srcOrd="2" destOrd="0" presId="urn:microsoft.com/office/officeart/2005/8/layout/process3"/>
+  </dgm:cxnLst>
+  <dgm:bg/>
+  <dgm:whole/>
+  <dgm:extLst>
+    <a:ext uri="http://schemas.microsoft.com/office/drawing/2008/diagram">
+      <dsp:dataModelExt xmlns:dsp="http://schemas.microsoft.com/office/drawing/2008/diagram" relId="rId6" minVer="http://schemas.openxmlformats.org/drawingml/2006/diagram"/>
+    </a:ext>
+  </dgm:extLst>
+</dgm:dataModel>
+</file>
+
+<file path=ppt/diagrams/drawing1.xml><?xml version="1.0" encoding="utf-8"?>
+<dsp:drawing xmlns:dgm="http://schemas.openxmlformats.org/drawingml/2006/diagram" xmlns:dsp="http://schemas.microsoft.com/office/drawing/2008/diagram" xmlns:a="http://schemas.openxmlformats.org/drawingml/2006/main">
+  <dsp:spTree>
+    <dsp:nvGrpSpPr>
+      <dsp:cNvPr id="0" name=""/>
+      <dsp:cNvGrpSpPr/>
+    </dsp:nvGrpSpPr>
+    <dsp:grpSpPr/>
+    <dsp:sp modelId="{1449FCB5-A067-4E4A-8B7F-AEA572EE5FA0}">
+      <dsp:nvSpPr>
+        <dsp:cNvPr id="0" name=""/>
+        <dsp:cNvSpPr/>
+      </dsp:nvSpPr>
+      <dsp:spPr>
+        <a:xfrm>
+          <a:off x="5002" y="40081"/>
+          <a:ext cx="2274632" cy="864000"/>
+        </a:xfrm>
+        <a:prstGeom prst="roundRect">
+          <a:avLst>
+            <a:gd name="adj" fmla="val 10000"/>
+          </a:avLst>
+        </a:prstGeom>
+        <a:solidFill>
+          <a:schemeClr val="accent1">
+            <a:hueOff val="0"/>
+            <a:satOff val="0"/>
+            <a:lumOff val="0"/>
+            <a:alphaOff val="0"/>
+          </a:schemeClr>
+        </a:solidFill>
+        <a:ln w="15875" cap="flat" cmpd="sng" algn="ctr">
+          <a:solidFill>
+            <a:schemeClr val="lt1">
+              <a:hueOff val="0"/>
+              <a:satOff val="0"/>
+              <a:lumOff val="0"/>
+              <a:alphaOff val="0"/>
+            </a:schemeClr>
+          </a:solidFill>
+          <a:prstDash val="solid"/>
+        </a:ln>
+        <a:effectLst/>
+      </dsp:spPr>
+      <dsp:style>
+        <a:lnRef idx="2">
+          <a:scrgbClr r="0" g="0" b="0"/>
+        </a:lnRef>
+        <a:fillRef idx="1">
+          <a:scrgbClr r="0" g="0" b="0"/>
+        </a:fillRef>
+        <a:effectRef idx="0">
+          <a:scrgbClr r="0" g="0" b="0"/>
+        </a:effectRef>
+        <a:fontRef idx="minor">
+          <a:schemeClr val="lt1"/>
+        </a:fontRef>
+      </dsp:style>
+      <dsp:txBody>
+        <a:bodyPr spcFirstLastPara="0" vert="horz" wrap="square" lIns="142240" tIns="142240" rIns="142240" bIns="76200" numCol="1" spcCol="1270" anchor="t" anchorCtr="0">
+          <a:noAutofit/>
+        </a:bodyPr>
+        <a:lstStyle/>
+        <a:p>
+          <a:pPr marL="0" lvl="0" indent="0" algn="l" defTabSz="889000">
+            <a:lnSpc>
+              <a:spcPct val="90000"/>
+            </a:lnSpc>
+            <a:spcBef>
+              <a:spcPct val="0"/>
+            </a:spcBef>
+            <a:spcAft>
+              <a:spcPct val="35000"/>
+            </a:spcAft>
+            <a:buNone/>
+          </a:pPr>
+          <a:r>
+            <a:rPr lang="en-US" sz="2000" kern="1200" dirty="0"/>
+            <a:t>Data Input</a:t>
+          </a:r>
+        </a:p>
+      </dsp:txBody>
+      <dsp:txXfrm>
+        <a:off x="5002" y="40081"/>
+        <a:ext cx="2274632" cy="576000"/>
+      </dsp:txXfrm>
+    </dsp:sp>
+    <dsp:sp modelId="{D0F458EB-DD80-4631-A44C-4CA39F2514CC}">
+      <dsp:nvSpPr>
+        <dsp:cNvPr id="0" name=""/>
+        <dsp:cNvSpPr/>
+      </dsp:nvSpPr>
+      <dsp:spPr>
+        <a:xfrm>
+          <a:off x="470891" y="616081"/>
+          <a:ext cx="2274632" cy="3366562"/>
+        </a:xfrm>
+        <a:prstGeom prst="roundRect">
+          <a:avLst>
+            <a:gd name="adj" fmla="val 10000"/>
+          </a:avLst>
+        </a:prstGeom>
+        <a:solidFill>
+          <a:schemeClr val="lt1">
+            <a:alpha val="90000"/>
+            <a:hueOff val="0"/>
+            <a:satOff val="0"/>
+            <a:lumOff val="0"/>
+            <a:alphaOff val="0"/>
+          </a:schemeClr>
+        </a:solidFill>
+        <a:ln w="15875" cap="flat" cmpd="sng" algn="ctr">
+          <a:solidFill>
+            <a:schemeClr val="accent1">
+              <a:hueOff val="0"/>
+              <a:satOff val="0"/>
+              <a:lumOff val="0"/>
+              <a:alphaOff val="0"/>
+            </a:schemeClr>
+          </a:solidFill>
+          <a:prstDash val="solid"/>
+        </a:ln>
+        <a:effectLst/>
+      </dsp:spPr>
+      <dsp:style>
+        <a:lnRef idx="2">
+          <a:scrgbClr r="0" g="0" b="0"/>
+        </a:lnRef>
+        <a:fillRef idx="1">
+          <a:scrgbClr r="0" g="0" b="0"/>
+        </a:fillRef>
+        <a:effectRef idx="0">
+          <a:scrgbClr r="0" g="0" b="0"/>
+        </a:effectRef>
+        <a:fontRef idx="minor"/>
+      </dsp:style>
+      <dsp:txBody>
+        <a:bodyPr spcFirstLastPara="0" vert="horz" wrap="square" lIns="142240" tIns="142240" rIns="142240" bIns="142240" numCol="1" spcCol="1270" anchor="t" anchorCtr="0">
+          <a:noAutofit/>
+        </a:bodyPr>
+        <a:lstStyle/>
+        <a:p>
+          <a:pPr marL="228600" lvl="1" indent="-228600" algn="l" defTabSz="889000">
+            <a:lnSpc>
+              <a:spcPct val="90000"/>
+            </a:lnSpc>
+            <a:spcBef>
+              <a:spcPct val="0"/>
+            </a:spcBef>
+            <a:spcAft>
+              <a:spcPct val="15000"/>
+            </a:spcAft>
+            <a:buChar char="•"/>
+          </a:pPr>
+          <a:r>
+            <a:rPr lang="en-US" sz="2000" kern="1200" dirty="0"/>
+            <a:t>Customers</a:t>
+          </a:r>
+        </a:p>
+        <a:p>
+          <a:pPr marL="228600" lvl="1" indent="-228600" algn="l" defTabSz="889000">
+            <a:lnSpc>
+              <a:spcPct val="90000"/>
+            </a:lnSpc>
+            <a:spcBef>
+              <a:spcPct val="0"/>
+            </a:spcBef>
+            <a:spcAft>
+              <a:spcPct val="15000"/>
+            </a:spcAft>
+            <a:buChar char="•"/>
+          </a:pPr>
+          <a:r>
+            <a:rPr lang="en-US" sz="2000" kern="1200" dirty="0"/>
+            <a:t>Registrations</a:t>
+          </a:r>
+        </a:p>
+        <a:p>
+          <a:pPr marL="228600" lvl="1" indent="-228600" algn="l" defTabSz="889000">
+            <a:lnSpc>
+              <a:spcPct val="90000"/>
+            </a:lnSpc>
+            <a:spcBef>
+              <a:spcPct val="0"/>
+            </a:spcBef>
+            <a:spcAft>
+              <a:spcPct val="15000"/>
+            </a:spcAft>
+            <a:buChar char="•"/>
+          </a:pPr>
+          <a:r>
+            <a:rPr lang="en-US" sz="2000" kern="1200" dirty="0"/>
+            <a:t>Purchases </a:t>
+          </a:r>
+        </a:p>
+      </dsp:txBody>
+      <dsp:txXfrm>
+        <a:off x="537513" y="682703"/>
+        <a:ext cx="2141388" cy="3233318"/>
+      </dsp:txXfrm>
+    </dsp:sp>
+    <dsp:sp modelId="{16B1A195-FCE7-469E-8F01-E2BD3B39E9EB}">
+      <dsp:nvSpPr>
+        <dsp:cNvPr id="0" name=""/>
+        <dsp:cNvSpPr/>
+      </dsp:nvSpPr>
+      <dsp:spPr>
+        <a:xfrm>
+          <a:off x="2624461" y="44922"/>
+          <a:ext cx="731031" cy="566317"/>
+        </a:xfrm>
+        <a:prstGeom prst="rightArrow">
+          <a:avLst>
+            <a:gd name="adj1" fmla="val 60000"/>
+            <a:gd name="adj2" fmla="val 50000"/>
+          </a:avLst>
+        </a:prstGeom>
+        <a:solidFill>
+          <a:schemeClr val="accent1">
+            <a:tint val="60000"/>
+            <a:hueOff val="0"/>
+            <a:satOff val="0"/>
+            <a:lumOff val="0"/>
+            <a:alphaOff val="0"/>
+          </a:schemeClr>
+        </a:solidFill>
+        <a:ln>
+          <a:noFill/>
+        </a:ln>
+        <a:effectLst/>
+      </dsp:spPr>
+      <dsp:style>
+        <a:lnRef idx="0">
+          <a:scrgbClr r="0" g="0" b="0"/>
+        </a:lnRef>
+        <a:fillRef idx="1">
+          <a:scrgbClr r="0" g="0" b="0"/>
+        </a:fillRef>
+        <a:effectRef idx="0">
+          <a:scrgbClr r="0" g="0" b="0"/>
+        </a:effectRef>
+        <a:fontRef idx="minor">
+          <a:schemeClr val="lt1"/>
+        </a:fontRef>
+      </dsp:style>
+      <dsp:txBody>
+        <a:bodyPr spcFirstLastPara="0" vert="horz" wrap="square" lIns="0" tIns="0" rIns="0" bIns="0" numCol="1" spcCol="1270" anchor="ctr" anchorCtr="0">
+          <a:noAutofit/>
+        </a:bodyPr>
+        <a:lstStyle/>
+        <a:p>
+          <a:pPr marL="0" lvl="0" indent="0" algn="ctr" defTabSz="711200">
+            <a:lnSpc>
+              <a:spcPct val="90000"/>
+            </a:lnSpc>
+            <a:spcBef>
+              <a:spcPct val="0"/>
+            </a:spcBef>
+            <a:spcAft>
+              <a:spcPct val="35000"/>
+            </a:spcAft>
+            <a:buNone/>
+          </a:pPr>
+          <a:endParaRPr lang="en-US" sz="1600" kern="1200"/>
+        </a:p>
+      </dsp:txBody>
+      <dsp:txXfrm>
+        <a:off x="2624461" y="158185"/>
+        <a:ext cx="561136" cy="339791"/>
+      </dsp:txXfrm>
+    </dsp:sp>
+    <dsp:sp modelId="{CA42E7E3-4D2F-4EB1-89D4-72EDC282F304}">
+      <dsp:nvSpPr>
+        <dsp:cNvPr id="0" name=""/>
+        <dsp:cNvSpPr/>
+      </dsp:nvSpPr>
+      <dsp:spPr>
+        <a:xfrm>
+          <a:off x="3658939" y="40081"/>
+          <a:ext cx="2274632" cy="864000"/>
+        </a:xfrm>
+        <a:prstGeom prst="roundRect">
+          <a:avLst>
+            <a:gd name="adj" fmla="val 10000"/>
+          </a:avLst>
+        </a:prstGeom>
+        <a:solidFill>
+          <a:schemeClr val="accent1">
+            <a:hueOff val="0"/>
+            <a:satOff val="0"/>
+            <a:lumOff val="0"/>
+            <a:alphaOff val="0"/>
+          </a:schemeClr>
+        </a:solidFill>
+        <a:ln w="15875" cap="flat" cmpd="sng" algn="ctr">
+          <a:solidFill>
+            <a:schemeClr val="lt1">
+              <a:hueOff val="0"/>
+              <a:satOff val="0"/>
+              <a:lumOff val="0"/>
+              <a:alphaOff val="0"/>
+            </a:schemeClr>
+          </a:solidFill>
+          <a:prstDash val="solid"/>
+        </a:ln>
+        <a:effectLst/>
+      </dsp:spPr>
+      <dsp:style>
+        <a:lnRef idx="2">
+          <a:scrgbClr r="0" g="0" b="0"/>
+        </a:lnRef>
+        <a:fillRef idx="1">
+          <a:scrgbClr r="0" g="0" b="0"/>
+        </a:fillRef>
+        <a:effectRef idx="0">
+          <a:scrgbClr r="0" g="0" b="0"/>
+        </a:effectRef>
+        <a:fontRef idx="minor">
+          <a:schemeClr val="lt1"/>
+        </a:fontRef>
+      </dsp:style>
+      <dsp:txBody>
+        <a:bodyPr spcFirstLastPara="0" vert="horz" wrap="square" lIns="142240" tIns="142240" rIns="142240" bIns="76200" numCol="1" spcCol="1270" anchor="t" anchorCtr="0">
+          <a:noAutofit/>
+        </a:bodyPr>
+        <a:lstStyle/>
+        <a:p>
+          <a:pPr marL="0" lvl="0" indent="0" algn="l" defTabSz="889000">
+            <a:lnSpc>
+              <a:spcPct val="90000"/>
+            </a:lnSpc>
+            <a:spcBef>
+              <a:spcPct val="0"/>
+            </a:spcBef>
+            <a:spcAft>
+              <a:spcPct val="35000"/>
+            </a:spcAft>
+            <a:buNone/>
+          </a:pPr>
+          <a:r>
+            <a:rPr lang="en-US" sz="2000" kern="1200" dirty="0"/>
+            <a:t>Model Building</a:t>
+          </a:r>
+        </a:p>
+      </dsp:txBody>
+      <dsp:txXfrm>
+        <a:off x="3658939" y="40081"/>
+        <a:ext cx="2274632" cy="576000"/>
+      </dsp:txXfrm>
+    </dsp:sp>
+    <dsp:sp modelId="{411FE6D6-D32A-43E8-8955-5E9A768C8157}">
+      <dsp:nvSpPr>
+        <dsp:cNvPr id="0" name=""/>
+        <dsp:cNvSpPr/>
+      </dsp:nvSpPr>
+      <dsp:spPr>
+        <a:xfrm>
+          <a:off x="4124828" y="616081"/>
+          <a:ext cx="2274632" cy="3366562"/>
+        </a:xfrm>
+        <a:prstGeom prst="roundRect">
+          <a:avLst>
+            <a:gd name="adj" fmla="val 10000"/>
+          </a:avLst>
+        </a:prstGeom>
+        <a:solidFill>
+          <a:schemeClr val="lt1">
+            <a:alpha val="90000"/>
+            <a:hueOff val="0"/>
+            <a:satOff val="0"/>
+            <a:lumOff val="0"/>
+            <a:alphaOff val="0"/>
+          </a:schemeClr>
+        </a:solidFill>
+        <a:ln w="15875" cap="flat" cmpd="sng" algn="ctr">
+          <a:solidFill>
+            <a:schemeClr val="accent1">
+              <a:hueOff val="0"/>
+              <a:satOff val="0"/>
+              <a:lumOff val="0"/>
+              <a:alphaOff val="0"/>
+            </a:schemeClr>
+          </a:solidFill>
+          <a:prstDash val="solid"/>
+        </a:ln>
+        <a:effectLst/>
+      </dsp:spPr>
+      <dsp:style>
+        <a:lnRef idx="2">
+          <a:scrgbClr r="0" g="0" b="0"/>
+        </a:lnRef>
+        <a:fillRef idx="1">
+          <a:scrgbClr r="0" g="0" b="0"/>
+        </a:fillRef>
+        <a:effectRef idx="0">
+          <a:scrgbClr r="0" g="0" b="0"/>
+        </a:effectRef>
+        <a:fontRef idx="minor"/>
+      </dsp:style>
+      <dsp:txBody>
+        <a:bodyPr spcFirstLastPara="0" vert="horz" wrap="square" lIns="142240" tIns="142240" rIns="142240" bIns="142240" numCol="1" spcCol="1270" anchor="t" anchorCtr="0">
+          <a:noAutofit/>
+        </a:bodyPr>
+        <a:lstStyle/>
+        <a:p>
+          <a:pPr marL="228600" lvl="1" indent="-228600" algn="l" defTabSz="889000">
+            <a:lnSpc>
+              <a:spcPct val="90000"/>
+            </a:lnSpc>
+            <a:spcBef>
+              <a:spcPct val="0"/>
+            </a:spcBef>
+            <a:spcAft>
+              <a:spcPct val="15000"/>
+            </a:spcAft>
+            <a:buChar char="•"/>
+          </a:pPr>
+          <a:r>
+            <a:rPr lang="en-US" sz="2000" kern="1200" dirty="0"/>
+            <a:t>Input data</a:t>
+          </a:r>
+        </a:p>
+        <a:p>
+          <a:pPr marL="228600" lvl="1" indent="-228600" algn="l" defTabSz="889000">
+            <a:lnSpc>
+              <a:spcPct val="90000"/>
+            </a:lnSpc>
+            <a:spcBef>
+              <a:spcPct val="0"/>
+            </a:spcBef>
+            <a:spcAft>
+              <a:spcPct val="15000"/>
+            </a:spcAft>
+            <a:buChar char="•"/>
+          </a:pPr>
+          <a:r>
+            <a:rPr lang="en-US" sz="2000" kern="1200" dirty="0"/>
+            <a:t>Create combined Dataset</a:t>
+          </a:r>
+        </a:p>
+        <a:p>
+          <a:pPr marL="228600" lvl="1" indent="-228600" algn="l" defTabSz="889000">
+            <a:lnSpc>
+              <a:spcPct val="90000"/>
+            </a:lnSpc>
+            <a:spcBef>
+              <a:spcPct val="0"/>
+            </a:spcBef>
+            <a:spcAft>
+              <a:spcPct val="15000"/>
+            </a:spcAft>
+            <a:buChar char="•"/>
+          </a:pPr>
+          <a:r>
+            <a:rPr lang="en-US" sz="2000" kern="1200" dirty="0"/>
+            <a:t>Output logistic regression object</a:t>
+          </a:r>
+        </a:p>
+        <a:p>
+          <a:pPr marL="228600" lvl="1" indent="-228600" algn="l" defTabSz="889000">
+            <a:lnSpc>
+              <a:spcPct val="90000"/>
+            </a:lnSpc>
+            <a:spcBef>
+              <a:spcPct val="0"/>
+            </a:spcBef>
+            <a:spcAft>
+              <a:spcPct val="15000"/>
+            </a:spcAft>
+            <a:buChar char="•"/>
+          </a:pPr>
+          <a:endParaRPr lang="en-US" sz="2000" kern="1200" dirty="0"/>
+        </a:p>
+      </dsp:txBody>
+      <dsp:txXfrm>
+        <a:off x="4191450" y="682703"/>
+        <a:ext cx="2141388" cy="3233318"/>
+      </dsp:txXfrm>
+    </dsp:sp>
+    <dsp:sp modelId="{B4409AE3-56A3-4AB0-B552-8FBAC8305972}">
+      <dsp:nvSpPr>
+        <dsp:cNvPr id="0" name=""/>
+        <dsp:cNvSpPr/>
+      </dsp:nvSpPr>
+      <dsp:spPr>
+        <a:xfrm>
+          <a:off x="6278398" y="44922"/>
+          <a:ext cx="731031" cy="566317"/>
+        </a:xfrm>
+        <a:prstGeom prst="rightArrow">
+          <a:avLst>
+            <a:gd name="adj1" fmla="val 60000"/>
+            <a:gd name="adj2" fmla="val 50000"/>
+          </a:avLst>
+        </a:prstGeom>
+        <a:solidFill>
+          <a:schemeClr val="accent1">
+            <a:tint val="60000"/>
+            <a:hueOff val="0"/>
+            <a:satOff val="0"/>
+            <a:lumOff val="0"/>
+            <a:alphaOff val="0"/>
+          </a:schemeClr>
+        </a:solidFill>
+        <a:ln>
+          <a:noFill/>
+        </a:ln>
+        <a:effectLst/>
+      </dsp:spPr>
+      <dsp:style>
+        <a:lnRef idx="0">
+          <a:scrgbClr r="0" g="0" b="0"/>
+        </a:lnRef>
+        <a:fillRef idx="1">
+          <a:scrgbClr r="0" g="0" b="0"/>
+        </a:fillRef>
+        <a:effectRef idx="0">
+          <a:scrgbClr r="0" g="0" b="0"/>
+        </a:effectRef>
+        <a:fontRef idx="minor">
+          <a:schemeClr val="lt1"/>
+        </a:fontRef>
+      </dsp:style>
+      <dsp:txBody>
+        <a:bodyPr spcFirstLastPara="0" vert="horz" wrap="square" lIns="0" tIns="0" rIns="0" bIns="0" numCol="1" spcCol="1270" anchor="ctr" anchorCtr="0">
+          <a:noAutofit/>
+        </a:bodyPr>
+        <a:lstStyle/>
+        <a:p>
+          <a:pPr marL="0" lvl="0" indent="0" algn="ctr" defTabSz="711200">
+            <a:lnSpc>
+              <a:spcPct val="90000"/>
+            </a:lnSpc>
+            <a:spcBef>
+              <a:spcPct val="0"/>
+            </a:spcBef>
+            <a:spcAft>
+              <a:spcPct val="35000"/>
+            </a:spcAft>
+            <a:buNone/>
+          </a:pPr>
+          <a:endParaRPr lang="en-US" sz="1600" kern="1200"/>
+        </a:p>
+      </dsp:txBody>
+      <dsp:txXfrm>
+        <a:off x="6278398" y="158185"/>
+        <a:ext cx="561136" cy="339791"/>
+      </dsp:txXfrm>
+    </dsp:sp>
+    <dsp:sp modelId="{F476553C-4FF2-4E8E-A5C3-D2D5EE68EE79}">
+      <dsp:nvSpPr>
+        <dsp:cNvPr id="0" name=""/>
+        <dsp:cNvSpPr/>
+      </dsp:nvSpPr>
+      <dsp:spPr>
+        <a:xfrm>
+          <a:off x="7312876" y="40081"/>
+          <a:ext cx="2274632" cy="864000"/>
+        </a:xfrm>
+        <a:prstGeom prst="roundRect">
+          <a:avLst>
+            <a:gd name="adj" fmla="val 10000"/>
+          </a:avLst>
+        </a:prstGeom>
+        <a:solidFill>
+          <a:schemeClr val="accent1">
+            <a:hueOff val="0"/>
+            <a:satOff val="0"/>
+            <a:lumOff val="0"/>
+            <a:alphaOff val="0"/>
+          </a:schemeClr>
+        </a:solidFill>
+        <a:ln w="15875" cap="flat" cmpd="sng" algn="ctr">
+          <a:solidFill>
+            <a:schemeClr val="lt1">
+              <a:hueOff val="0"/>
+              <a:satOff val="0"/>
+              <a:lumOff val="0"/>
+              <a:alphaOff val="0"/>
+            </a:schemeClr>
+          </a:solidFill>
+          <a:prstDash val="solid"/>
+        </a:ln>
+        <a:effectLst/>
+      </dsp:spPr>
+      <dsp:style>
+        <a:lnRef idx="2">
+          <a:scrgbClr r="0" g="0" b="0"/>
+        </a:lnRef>
+        <a:fillRef idx="1">
+          <a:scrgbClr r="0" g="0" b="0"/>
+        </a:fillRef>
+        <a:effectRef idx="0">
+          <a:scrgbClr r="0" g="0" b="0"/>
+        </a:effectRef>
+        <a:fontRef idx="minor">
+          <a:schemeClr val="lt1"/>
+        </a:fontRef>
+      </dsp:style>
+      <dsp:txBody>
+        <a:bodyPr spcFirstLastPara="0" vert="horz" wrap="square" lIns="142240" tIns="142240" rIns="142240" bIns="76200" numCol="1" spcCol="1270" anchor="t" anchorCtr="0">
+          <a:noAutofit/>
+        </a:bodyPr>
+        <a:lstStyle/>
+        <a:p>
+          <a:pPr marL="0" lvl="0" indent="0" algn="l" defTabSz="889000">
+            <a:lnSpc>
+              <a:spcPct val="90000"/>
+            </a:lnSpc>
+            <a:spcBef>
+              <a:spcPct val="0"/>
+            </a:spcBef>
+            <a:spcAft>
+              <a:spcPct val="35000"/>
+            </a:spcAft>
+            <a:buNone/>
+          </a:pPr>
+          <a:r>
+            <a:rPr lang="en-US" sz="2000" kern="1200" dirty="0"/>
+            <a:t>Prediction</a:t>
+          </a:r>
+        </a:p>
+      </dsp:txBody>
+      <dsp:txXfrm>
+        <a:off x="7312876" y="40081"/>
+        <a:ext cx="2274632" cy="576000"/>
+      </dsp:txXfrm>
+    </dsp:sp>
+    <dsp:sp modelId="{0EB1850F-ABDA-4796-AFAC-2CE501CA46B3}">
+      <dsp:nvSpPr>
+        <dsp:cNvPr id="0" name=""/>
+        <dsp:cNvSpPr/>
+      </dsp:nvSpPr>
+      <dsp:spPr>
+        <a:xfrm>
+          <a:off x="7778764" y="616081"/>
+          <a:ext cx="2274632" cy="3366562"/>
+        </a:xfrm>
+        <a:prstGeom prst="roundRect">
+          <a:avLst>
+            <a:gd name="adj" fmla="val 10000"/>
+          </a:avLst>
+        </a:prstGeom>
+        <a:solidFill>
+          <a:schemeClr val="lt1">
+            <a:alpha val="90000"/>
+            <a:hueOff val="0"/>
+            <a:satOff val="0"/>
+            <a:lumOff val="0"/>
+            <a:alphaOff val="0"/>
+          </a:schemeClr>
+        </a:solidFill>
+        <a:ln w="15875" cap="flat" cmpd="sng" algn="ctr">
+          <a:solidFill>
+            <a:schemeClr val="accent1">
+              <a:hueOff val="0"/>
+              <a:satOff val="0"/>
+              <a:lumOff val="0"/>
+              <a:alphaOff val="0"/>
+            </a:schemeClr>
+          </a:solidFill>
+          <a:prstDash val="solid"/>
+        </a:ln>
+        <a:effectLst/>
+      </dsp:spPr>
+      <dsp:style>
+        <a:lnRef idx="2">
+          <a:scrgbClr r="0" g="0" b="0"/>
+        </a:lnRef>
+        <a:fillRef idx="1">
+          <a:scrgbClr r="0" g="0" b="0"/>
+        </a:fillRef>
+        <a:effectRef idx="0">
+          <a:scrgbClr r="0" g="0" b="0"/>
+        </a:effectRef>
+        <a:fontRef idx="minor"/>
+      </dsp:style>
+      <dsp:txBody>
+        <a:bodyPr spcFirstLastPara="0" vert="horz" wrap="square" lIns="142240" tIns="142240" rIns="142240" bIns="142240" numCol="1" spcCol="1270" anchor="t" anchorCtr="0">
+          <a:noAutofit/>
+        </a:bodyPr>
+        <a:lstStyle/>
+        <a:p>
+          <a:pPr marL="228600" lvl="1" indent="-228600" algn="l" defTabSz="889000">
+            <a:lnSpc>
+              <a:spcPct val="90000"/>
+            </a:lnSpc>
+            <a:spcBef>
+              <a:spcPct val="0"/>
+            </a:spcBef>
+            <a:spcAft>
+              <a:spcPct val="15000"/>
+            </a:spcAft>
+            <a:buChar char="•"/>
+          </a:pPr>
+          <a:r>
+            <a:rPr lang="en-US" sz="2000" kern="1200" dirty="0"/>
+            <a:t>Input logistic regression object</a:t>
+          </a:r>
+        </a:p>
+        <a:p>
+          <a:pPr marL="228600" lvl="1" indent="-228600" algn="l" defTabSz="889000">
+            <a:lnSpc>
+              <a:spcPct val="90000"/>
+            </a:lnSpc>
+            <a:spcBef>
+              <a:spcPct val="0"/>
+            </a:spcBef>
+            <a:spcAft>
+              <a:spcPct val="15000"/>
+            </a:spcAft>
+            <a:buChar char="•"/>
+          </a:pPr>
+          <a:r>
+            <a:rPr lang="en-US" sz="2000" kern="1200" dirty="0"/>
+            <a:t>Input new registrations &amp; customers </a:t>
+          </a:r>
+          <a:r>
+            <a:rPr lang="en-US" sz="2000" kern="1200" dirty="0" err="1"/>
+            <a:t>dataframes</a:t>
+          </a:r>
+          <a:endParaRPr lang="en-US" sz="2000" kern="1200" dirty="0"/>
+        </a:p>
+        <a:p>
+          <a:pPr marL="228600" lvl="1" indent="-228600" algn="l" defTabSz="889000">
+            <a:lnSpc>
+              <a:spcPct val="90000"/>
+            </a:lnSpc>
+            <a:spcBef>
+              <a:spcPct val="0"/>
+            </a:spcBef>
+            <a:spcAft>
+              <a:spcPct val="15000"/>
+            </a:spcAft>
+            <a:buChar char="•"/>
+          </a:pPr>
+          <a:r>
+            <a:rPr lang="en-US" sz="2000" kern="1200" dirty="0"/>
+            <a:t>Output Probability of Purchase</a:t>
+          </a:r>
+        </a:p>
+      </dsp:txBody>
+      <dsp:txXfrm>
+        <a:off x="7845386" y="682703"/>
+        <a:ext cx="2141388" cy="3233318"/>
+      </dsp:txXfrm>
+    </dsp:sp>
+  </dsp:spTree>
+</dsp:drawing>
+</file>
+
+<file path=ppt/diagrams/layout1.xml><?xml version="1.0" encoding="utf-8"?>
+<dgm:layoutDef xmlns:dgm="http://schemas.openxmlformats.org/drawingml/2006/diagram" xmlns:a="http://schemas.openxmlformats.org/drawingml/2006/main" uniqueId="urn:microsoft.com/office/officeart/2005/8/layout/process3">
+  <dgm:title val=""/>
+  <dgm:desc val=""/>
+  <dgm:catLst>
+    <dgm:cat type="process" pri="2000"/>
+  </dgm:catLst>
+  <dgm:sampData>
+    <dgm:dataModel>
+      <dgm:ptLst>
+        <dgm:pt modelId="0" type="doc"/>
+        <dgm:pt modelId="1">
+          <dgm:prSet phldr="1"/>
+        </dgm:pt>
+        <dgm:pt modelId="11">
+          <dgm:prSet phldr="1"/>
+        </dgm:pt>
+        <dgm:pt modelId="2">
+          <dgm:prSet phldr="1"/>
+        </dgm:pt>
+        <dgm:pt modelId="21">
+          <dgm:prSet phldr="1"/>
+        </dgm:pt>
+        <dgm:pt modelId="3">
+          <dgm:prSet phldr="1"/>
+        </dgm:pt>
+        <dgm:pt modelId="31">
+          <dgm:prSet phldr="1"/>
+        </dgm:pt>
+      </dgm:ptLst>
+      <dgm:cxnLst>
+        <dgm:cxn modelId="4" srcId="0" destId="1" srcOrd="0" destOrd="0"/>
+        <dgm:cxn modelId="5" srcId="0" destId="2" srcOrd="1" destOrd="0"/>
+        <dgm:cxn modelId="6" srcId="0" destId="3" srcOrd="3" destOrd="0"/>
+        <dgm:cxn modelId="12" srcId="1" destId="11" srcOrd="0" destOrd="0"/>
+        <dgm:cxn modelId="23" srcId="2" destId="21" srcOrd="0" destOrd="0"/>
+        <dgm:cxn modelId="34" srcId="3" destId="31" srcOrd="0" destOrd="0"/>
+      </dgm:cxnLst>
+      <dgm:bg/>
+      <dgm:whole/>
+    </dgm:dataModel>
+  </dgm:sampData>
+  <dgm:styleData>
+    <dgm:dataModel>
+      <dgm:ptLst>
+        <dgm:pt modelId="0" type="doc"/>
+        <dgm:pt modelId="1">
+          <dgm:prSet phldr="1"/>
+        </dgm:pt>
+        <dgm:pt modelId="11">
+          <dgm:prSet phldr="1"/>
+        </dgm:pt>
+        <dgm:pt modelId="2">
+          <dgm:prSet phldr="1"/>
+        </dgm:pt>
+        <dgm:pt modelId="21">
+          <dgm:prSet phldr="1"/>
+        </dgm:pt>
+      </dgm:ptLst>
+      <dgm:cxnLst>
+        <dgm:cxn modelId="4" srcId="0" destId="1" srcOrd="0" destOrd="0"/>
+        <dgm:cxn modelId="5" srcId="0" destId="2" srcOrd="1" destOrd="0"/>
+        <dgm:cxn modelId="13" srcId="1" destId="11" srcOrd="0" destOrd="0"/>
+        <dgm:cxn modelId="23" srcId="2" destId="21" srcOrd="0" destOrd="0"/>
+      </dgm:cxnLst>
+      <dgm:bg/>
+      <dgm:whole/>
+    </dgm:dataModel>
+  </dgm:styleData>
+  <dgm:clrData>
+    <dgm:dataModel>
+      <dgm:ptLst>
+        <dgm:pt modelId="0" type="doc"/>
+        <dgm:pt modelId="1">
+          <dgm:prSet phldr="1"/>
+        </dgm:pt>
+        <dgm:pt modelId="11">
+          <dgm:prSet phldr="1"/>
+        </dgm:pt>
+        <dgm:pt modelId="2">
+          <dgm:prSet phldr="1"/>
+        </dgm:pt>
+        <dgm:pt modelId="21">
+          <dgm:prSet phldr="1"/>
+        </dgm:pt>
+        <dgm:pt modelId="3">
+          <dgm:prSet phldr="1"/>
+        </dgm:pt>
+        <dgm:pt modelId="31">
+          <dgm:prSet phldr="1"/>
+        </dgm:pt>
+        <dgm:pt modelId="4">
+          <dgm:prSet phldr="1"/>
+        </dgm:pt>
+        <dgm:pt modelId="41">
+          <dgm:prSet phldr="1"/>
+        </dgm:pt>
+      </dgm:ptLst>
+      <dgm:cxnLst>
+        <dgm:cxn modelId="5" srcId="0" destId="1" srcOrd="0" destOrd="0"/>
+        <dgm:cxn modelId="6" srcId="0" destId="2" srcOrd="1" destOrd="0"/>
+        <dgm:cxn modelId="7" srcId="0" destId="3" srcOrd="2" destOrd="0"/>
+        <dgm:cxn modelId="8" srcId="0" destId="4" srcOrd="3" destOrd="0"/>
+        <dgm:cxn modelId="13" srcId="1" destId="11" srcOrd="0" destOrd="0"/>
+        <dgm:cxn modelId="23" srcId="2" destId="21" srcOrd="0" destOrd="0"/>
+        <dgm:cxn modelId="33" srcId="3" destId="31" srcOrd="0" destOrd="0"/>
+        <dgm:cxn modelId="43" srcId="4" destId="41" srcOrd="0" destOrd="0"/>
+      </dgm:cxnLst>
+      <dgm:bg/>
+      <dgm:whole/>
+    </dgm:dataModel>
+  </dgm:clrData>
+  <dgm:layoutNode name="linearFlow">
+    <dgm:varLst>
+      <dgm:dir/>
+      <dgm:animLvl val="lvl"/>
+      <dgm:resizeHandles val="exact"/>
+    </dgm:varLst>
+    <dgm:choose name="Name0">
+      <dgm:if name="Name1" func="var" arg="dir" op="equ" val="norm">
+        <dgm:alg type="lin"/>
+      </dgm:if>
+      <dgm:else name="Name2">
+        <dgm:alg type="lin">
+          <dgm:param type="linDir" val="fromR"/>
+        </dgm:alg>
+      </dgm:else>
+    </dgm:choose>
+    <dgm:shape xmlns:r="http://schemas.openxmlformats.org/officeDocument/2006/relationships" r:blip="">
+      <dgm:adjLst/>
+    </dgm:shape>
+    <dgm:presOf/>
+    <dgm:constrLst>
+      <dgm:constr type="w" for="ch" forName="composite" refType="w"/>
+      <dgm:constr type="w" for="ch" ptType="sibTrans" refType="w" refFor="ch" refForName="composite" fact="0.3333"/>
+      <dgm:constr type="w" for="des" forName="parTx"/>
+      <dgm:constr type="h" for="des" forName="parTx" op="equ"/>
+      <dgm:constr type="h" for="des" forName="parSh" op="equ"/>
+      <dgm:constr type="w" for="des" forName="desTx"/>
+      <dgm:constr type="h" for="des" forName="desTx" op="equ"/>
+      <dgm:constr type="w" for="des" forName="parSh"/>
+      <dgm:constr type="primFontSz" for="des" forName="parTx" val="65"/>
+      <dgm:constr type="secFontSz" for="des" forName="desTx" refType="primFontSz" refFor="des" refForName="parTx" op="equ"/>
+      <dgm:constr type="primFontSz" for="des" forName="connTx" refType="primFontSz" refFor="des" refForName="parTx" fact="0.8"/>
+      <dgm:constr type="primFontSz" for="des" forName="connTx" refType="primFontSz" refFor="des" refForName="parTx" op="lte" fact="0.8"/>
+      <dgm:constr type="h" for="des" forName="parTx" refType="primFontSz" refFor="des" refForName="parTx" fact="0.8"/>
+      <dgm:constr type="h" for="des" forName="parSh" refType="primFontSz" refFor="des" refForName="parTx" fact="1.2"/>
+      <dgm:constr type="h" for="des" forName="desTx" refType="primFontSz" refFor="des" refForName="parTx" fact="1.6"/>
+      <dgm:constr type="h" for="des" forName="parSh" refType="h" refFor="des" refForName="parTx" op="lte" fact="1.5"/>
+      <dgm:constr type="h" for="des" forName="parSh" refType="h" refFor="des" refForName="parTx" op="gte" fact="1.5"/>
+    </dgm:constrLst>
+    <dgm:ruleLst>
+      <dgm:rule type="w" for="ch" forName="composite" val="0" fact="NaN" max="NaN"/>
+      <dgm:rule type="primFontSz" for="des" forName="parTx" val="5" fact="NaN" max="NaN"/>
+    </dgm:ruleLst>
+    <dgm:forEach name="Name3" axis="ch" ptType="node">
+      <dgm:layoutNode name="composite">
+        <dgm:alg type="composite"/>
+        <dgm:shape xmlns:r="http://schemas.openxmlformats.org/officeDocument/2006/relationships" r:blip="">
+          <dgm:adjLst/>
+        </dgm:shape>
+        <dgm:presOf/>
+        <dgm:choose name="Name4">
+          <dgm:if name="Name5" func="var" arg="dir" op="equ" val="norm">
+            <dgm:constrLst>
+              <dgm:constr type="h" refType="w" fact="1000"/>
+              <dgm:constr type="l" for="ch" forName="parTx"/>
+              <dgm:constr type="w" for="ch" forName="parTx" refType="w" fact="0.83"/>
+              <dgm:constr type="t" for="ch" forName="parTx"/>
+              <dgm:constr type="l" for="ch" forName="parSh"/>
+              <dgm:constr type="w" for="ch" forName="parSh" refType="w" refFor="ch" refForName="parTx"/>
+              <dgm:constr type="t" for="ch" forName="parSh"/>
+              <dgm:constr type="l" for="ch" forName="desTx" refType="w" fact="0.17"/>
+              <dgm:constr type="w" for="ch" forName="desTx" refType="w" refFor="ch" refForName="parTx"/>
+              <dgm:constr type="t" for="ch" forName="desTx" refType="h" refFor="ch" refForName="parTx"/>
+            </dgm:constrLst>
+          </dgm:if>
+          <dgm:else name="Name6">
+            <dgm:constrLst>
+              <dgm:constr type="h" refType="w" fact="1000"/>
+              <dgm:constr type="l" for="ch" forName="parTx" refType="w" fact="0.17"/>
+              <dgm:constr type="w" for="ch" forName="parTx" refType="w" fact="0.83"/>
+              <dgm:constr type="t" for="ch" forName="parTx"/>
+              <dgm:constr type="l" for="ch" forName="parSh" refType="w" fact="0.15"/>
+              <dgm:constr type="w" for="ch" forName="parSh" refType="w" refFor="ch" refForName="parTx"/>
+              <dgm:constr type="t" for="ch" forName="parSh"/>
+              <dgm:constr type="l" for="ch" forName="desTx"/>
+              <dgm:constr type="w" for="ch" forName="desTx" refType="w" refFor="ch" refForName="parTx"/>
+              <dgm:constr type="t" for="ch" forName="desTx" refType="h" refFor="ch" refForName="parTx"/>
+            </dgm:constrLst>
+          </dgm:else>
+        </dgm:choose>
+        <dgm:ruleLst>
+          <dgm:rule type="h" val="INF" fact="NaN" max="NaN"/>
+        </dgm:ruleLst>
+        <dgm:layoutNode name="parTx">
+          <dgm:varLst>
+            <dgm:chMax val="0"/>
+            <dgm:chPref val="0"/>
+            <dgm:bulletEnabled val="1"/>
+          </dgm:varLst>
+          <dgm:alg type="tx">
+            <dgm:param type="parTxLTRAlign" val="l"/>
+            <dgm:param type="parTxRTLAlign" val="r"/>
+            <dgm:param type="txAnchorVert" val="t"/>
+          </dgm:alg>
+          <dgm:shape xmlns:r="http://schemas.openxmlformats.org/officeDocument/2006/relationships" type="rect" r:blip="" zOrderOff="1" hideGeom="1">
+            <dgm:adjLst>
+              <dgm:adj idx="1" val="0.1"/>
+            </dgm:adjLst>
+          </dgm:shape>
+          <dgm:presOf axis="self" ptType="node"/>
+          <dgm:constrLst>
+            <dgm:constr type="h" refType="w" op="lte" fact="0.4"/>
+            <dgm:constr type="bMarg" refType="primFontSz" fact="0.3"/>
+            <dgm:constr type="h"/>
+          </dgm:constrLst>
+          <dgm:ruleLst>
+            <dgm:rule type="h" val="INF" fact="NaN" max="NaN"/>
+          </dgm:ruleLst>
+        </dgm:layoutNode>
+        <dgm:layoutNode name="parSh">
+          <dgm:alg type="sp"/>
+          <dgm:shape xmlns:r="http://schemas.openxmlformats.org/officeDocument/2006/relationships" type="roundRect" r:blip="">
+            <dgm:adjLst>
+              <dgm:adj idx="1" val="0.1"/>
+            </dgm:adjLst>
+          </dgm:shape>
+          <dgm:presOf axis="self" ptType="node"/>
+          <dgm:constrLst>
+            <dgm:constr type="h"/>
+          </dgm:constrLst>
+          <dgm:ruleLst/>
+        </dgm:layoutNode>
+        <dgm:layoutNode name="desTx" styleLbl="fgAcc1">
+          <dgm:varLst>
+            <dgm:bulletEnabled val="1"/>
+          </dgm:varLst>
+          <dgm:alg type="tx">
+            <dgm:param type="stBulletLvl" val="1"/>
+          </dgm:alg>
+          <dgm:shape xmlns:r="http://schemas.openxmlformats.org/officeDocument/2006/relationships" type="roundRect" r:blip="">
+            <dgm:adjLst>
+              <dgm:adj idx="1" val="0.1"/>
+            </dgm:adjLst>
+          </dgm:shape>
+          <dgm:presOf axis="des" ptType="node"/>
+          <dgm:constrLst>
+            <dgm:constr type="secFontSz" val="65"/>
+            <dgm:constr type="primFontSz" refType="secFontSz"/>
+            <dgm:constr type="h"/>
+          </dgm:constrLst>
+          <dgm:ruleLst>
+            <dgm:rule type="h" val="INF" fact="NaN" max="NaN"/>
+          </dgm:ruleLst>
+        </dgm:layoutNode>
+      </dgm:layoutNode>
+      <dgm:forEach name="sibTransForEach" axis="followSib" ptType="sibTrans" cnt="1">
+        <dgm:layoutNode name="sibTrans">
+          <dgm:alg type="conn">
+            <dgm:param type="begPts" val="auto"/>
+            <dgm:param type="endPts" val="auto"/>
+            <dgm:param type="srcNode" val="parTx"/>
+            <dgm:param type="dstNode" val="parTx"/>
+          </dgm:alg>
+          <dgm:shape xmlns:r="http://schemas.openxmlformats.org/officeDocument/2006/relationships" type="conn" r:blip="">
+            <dgm:adjLst/>
+          </dgm:shape>
+          <dgm:presOf axis="self"/>
+          <dgm:constrLst>
+            <dgm:constr type="h" refType="w" fact="0.62"/>
+            <dgm:constr type="connDist"/>
+            <dgm:constr type="begPad" refType="connDist" fact="0.25"/>
+            <dgm:constr type="endPad" refType="connDist" fact="0.22"/>
+          </dgm:constrLst>
+          <dgm:ruleLst/>
+          <dgm:layoutNode name="connTx">
+            <dgm:alg type="tx">
+              <dgm:param type="autoTxRot" val="grav"/>
+            </dgm:alg>
+            <dgm:shape xmlns:r="http://schemas.openxmlformats.org/officeDocument/2006/relationships" type="conn" r:blip="" hideGeom="1">
+              <dgm:adjLst/>
+            </dgm:shape>
+            <dgm:presOf axis="self"/>
+            <dgm:constrLst>
+              <dgm:constr type="lMarg"/>
+              <dgm:constr type="rMarg"/>
+              <dgm:constr type="tMarg"/>
+              <dgm:constr type="bMarg"/>
+            </dgm:constrLst>
+            <dgm:ruleLst>
+              <dgm:rule type="primFontSz" val="5" fact="NaN" max="NaN"/>
+            </dgm:ruleLst>
+          </dgm:layoutNode>
+        </dgm:layoutNode>
+      </dgm:forEach>
+    </dgm:forEach>
+  </dgm:layoutNode>
+</dgm:layoutDef>
+</file>
+
+<file path=ppt/diagrams/quickStyle1.xml><?xml version="1.0" encoding="utf-8"?>
+<dgm:styleDef xmlns:dgm="http://schemas.openxmlformats.org/drawingml/2006/diagram" xmlns:a="http://schemas.openxmlformats.org/drawingml/2006/main" uniqueId="urn:microsoft.com/office/officeart/2005/8/quickstyle/simple1">
+  <dgm:title val=""/>
+  <dgm:desc val=""/>
+  <dgm:catLst>
+    <dgm:cat type="simple" pri="10100"/>
+  </dgm:catLst>
+  <dgm:scene3d>
+    <a:camera prst="orthographicFront"/>
+    <a:lightRig rig="threePt" dir="t"/>
+  </dgm:scene3d>
+  <dgm:styleLbl name="node0">
+    <dgm:scene3d>
+      <a:camera prst="orthographicFront"/>
+      <a:lightRig rig="threePt" dir="t"/>
+    </dgm:scene3d>
+    <dgm:sp3d/>
+    <dgm:txPr/>
+    <dgm:style>
+      <a:lnRef idx="2">
+        <a:scrgbClr r="0" g="0" b="0"/>
+      </a:lnRef>
+      <a:fillRef idx="1">
+        <a:scrgbClr r="0" g="0" b="0"/>
+      </a:fillRef>
+      <a:effectRef idx="0">
+        <a:scrgbClr r="0" g="0" b="0"/>
+      </a:effectRef>
+      <a:fontRef idx="minor">
+        <a:schemeClr val="lt1"/>
+      </a:fontRef>
+    </dgm:style>
+  </dgm:styleLbl>
+  <dgm:styleLbl name="lnNode1">
+    <dgm:scene3d>
+      <a:camera prst="orthographicFront"/>
+      <a:lightRig rig="threePt" dir="t"/>
+    </dgm:scene3d>
+    <dgm:sp3d/>
+    <dgm:txPr/>
+    <dgm:style>
+      <a:lnRef idx="2">
+        <a:scrgbClr r="0" g="0" b="0"/>
+      </a:lnRef>
+      <a:fillRef idx="1">
+        <a:scrgbClr r="0" g="0" b="0"/>
+      </a:fillRef>
+      <a:effectRef idx="0">
+        <a:scrgbClr r="0" g="0" b="0"/>
+      </a:effectRef>
+      <a:fontRef idx="minor">
+        <a:schemeClr val="lt1"/>
+      </a:fontRef>
+    </dgm:style>
+  </dgm:styleLbl>
+  <dgm:styleLbl name="vennNode1">
+    <dgm:scene3d>
+      <a:camera prst="orthographicFront"/>
+      <a:lightRig rig="threePt" dir="t"/>
+    </dgm:scene3d>
+    <dgm:sp3d/>
+    <dgm:txPr/>
+    <dgm:style>
+      <a:lnRef idx="2">
+        <a:scrgbClr r="0" g="0" b="0"/>
+      </a:lnRef>
+      <a:fillRef idx="1">
+        <a:scrgbClr r="0" g="0" b="0"/>
+      </a:fillRef>
+      <a:effectRef idx="0">
+        <a:scrgbClr r="0" g="0" b="0"/>
+      </a:effectRef>
+      <a:fontRef idx="minor">
+        <a:schemeClr val="tx1"/>
+      </a:fontRef>
+    </dgm:style>
+  </dgm:styleLbl>
+  <dgm:styleLbl name="alignNode1">
+    <dgm:scene3d>
+      <a:camera prst="orthographicFront"/>
+      <a:lightRig rig="threePt" dir="t"/>
+    </dgm:scene3d>
+    <dgm:sp3d/>
+    <dgm:txPr/>
+    <dgm:style>
+      <a:lnRef idx="2">
+        <a:scrgbClr r="0" g="0" b="0"/>
+      </a:lnRef>
+      <a:fillRef idx="1">
+        <a:scrgbClr r="0" g="0" b="0"/>
+      </a:fillRef>
+      <a:effectRef idx="0">
+        <a:scrgbClr r="0" g="0" b="0"/>
+      </a:effectRef>
+      <a:fontRef idx="minor">
+        <a:schemeClr val="lt1"/>
+      </a:fontRef>
+    </dgm:style>
+  </dgm:styleLbl>
+  <dgm:styleLbl name="node1">
+    <dgm:scene3d>
+      <a:camera prst="orthographicFront"/>
+      <a:lightRig rig="threePt" dir="t"/>
+    </dgm:scene3d>
+    <dgm:sp3d/>
+    <dgm:txPr/>
+    <dgm:style>
+      <a:lnRef idx="2">
+        <a:scrgbClr r="0" g="0" b="0"/>
+      </a:lnRef>
+      <a:fillRef idx="1">
+        <a:scrgbClr r="0" g="0" b="0"/>
+      </a:fillRef>
+      <a:effectRef idx="0">
+        <a:scrgbClr r="0" g="0" b="0"/>
+      </a:effectRef>
+      <a:fontRef idx="minor">
+        <a:schemeClr val="lt1"/>
+      </a:fontRef>
+    </dgm:style>
+  </dgm:styleLbl>
+  <dgm:styleLbl name="node2">
+    <dgm:scene3d>
+      <a:camera prst="orthographicFront"/>
+      <a:lightRig rig="threePt" dir="t"/>
+    </dgm:scene3d>
+    <dgm:sp3d/>
+    <dgm:txPr/>
+    <dgm:style>
+      <a:lnRef idx="2">
+        <a:scrgbClr r="0" g="0" b="0"/>
+      </a:lnRef>
+      <a:fillRef idx="1">
+        <a:scrgbClr r="0" g="0" b="0"/>
+      </a:fillRef>
+      <a:effectRef idx="0">
+        <a:scrgbClr r="0" g="0" b="0"/>
+      </a:effectRef>
+      <a:fontRef idx="minor">
+        <a:schemeClr val="lt1"/>
+      </a:fontRef>
+    </dgm:style>
+  </dgm:styleLbl>
+  <dgm:styleLbl name="node3">
+    <dgm:scene3d>
+      <a:camera prst="orthographicFront"/>
+      <a:lightRig rig="threePt" dir="t"/>
+    </dgm:scene3d>
+    <dgm:sp3d/>
+    <dgm:txPr/>
+    <dgm:style>
+      <a:lnRef idx="2">
+        <a:scrgbClr r="0" g="0" b="0"/>
+      </a:lnRef>
+      <a:fillRef idx="1">
+        <a:scrgbClr r="0" g="0" b="0"/>
+      </a:fillRef>
+      <a:effectRef idx="0">
+        <a:scrgbClr r="0" g="0" b="0"/>
+      </a:effectRef>
+      <a:fontRef idx="minor">
+        <a:schemeClr val="lt1"/>
+      </a:fontRef>
+    </dgm:style>
+  </dgm:styleLbl>
+  <dgm:styleLbl name="node4">
+    <dgm:scene3d>
+      <a:camera prst="orthographicFront"/>
+      <a:lightRig rig="threePt" dir="t"/>
+    </dgm:scene3d>
+    <dgm:sp3d/>
+    <dgm:txPr/>
+    <dgm:style>
+      <a:lnRef idx="2">
+        <a:scrgbClr r="0" g="0" b="0"/>
+      </a:lnRef>
+      <a:fillRef idx="1">
+        <a:scrgbClr r="0" g="0" b="0"/>
+      </a:fillRef>
+      <a:effectRef idx="0">
+        <a:scrgbClr r="0" g="0" b="0"/>
+      </a:effectRef>
+      <a:fontRef idx="minor">
+        <a:schemeClr val="lt1"/>
+      </a:fontRef>
+    </dgm:style>
+  </dgm:styleLbl>
+  <dgm:styleLbl name="fgImgPlace1">
+    <dgm:scene3d>
+      <a:camera prst="orthographicFront"/>
+      <a:lightRig rig="threePt" dir="t"/>
+    </dgm:scene3d>
+    <dgm:sp3d/>
+    <dgm:txPr/>
+    <dgm:style>
+      <a:lnRef idx="2">
+        <a:scrgbClr r="0" g="0" b="0"/>
+      </a:lnRef>
+      <a:fillRef idx="1">
+        <a:scrgbClr r="0" g="0" b="0"/>
+      </a:fillRef>
+      <a:effectRef idx="0">
+        <a:scrgbClr r="0" g="0" b="0"/>
+      </a:effectRef>
+      <a:fontRef idx="minor"/>
+    </dgm:style>
+  </dgm:styleLbl>
+  <dgm:styleLbl name="alignImgPlace1">
+    <dgm:scene3d>
+      <a:camera prst="orthographicFront"/>
+      <a:lightRig rig="threePt" dir="t"/>
+    </dgm:scene3d>
+    <dgm:sp3d/>
+    <dgm:txPr/>
+    <dgm:style>
+      <a:lnRef idx="2">
+        <a:scrgbClr r="0" g="0" b="0"/>
+      </a:lnRef>
+      <a:fillRef idx="1">
+        <a:scrgbClr r="0" g="0" b="0"/>
+      </a:fillRef>
+      <a:effectRef idx="0">
+        <a:scrgbClr r="0" g="0" b="0"/>
+      </a:effectRef>
+      <a:fontRef idx="minor"/>
+    </dgm:style>
+  </dgm:styleLbl>
+  <dgm:styleLbl name="bgImgPlace1">
+    <dgm:scene3d>
+      <a:camera prst="orthographicFront"/>
+      <a:lightRig rig="threePt" dir="t"/>
+    </dgm:scene3d>
+    <dgm:sp3d/>
+    <dgm:txPr/>
+    <dgm:style>
+      <a:lnRef idx="2">
+        <a:scrgbClr r="0" g="0" b="0"/>
+      </a:lnRef>
+      <a:fillRef idx="1">
+        <a:scrgbClr r="0" g="0" b="0"/>
+      </a:fillRef>
+      <a:effectRef idx="0">
+        <a:scrgbClr r="0" g="0" b="0"/>
+      </a:effectRef>
+      <a:fontRef idx="minor"/>
+    </dgm:style>
+  </dgm:styleLbl>
+  <dgm:styleLbl name="sibTrans2D1">
+    <dgm:scene3d>
+      <a:camera prst="orthographicFront"/>
+      <a:lightRig rig="threePt" dir="t"/>
+    </dgm:scene3d>
+    <dgm:sp3d/>
+    <dgm:txPr/>
+    <dgm:style>
+      <a:lnRef idx="0">
+        <a:scrgbClr r="0" g="0" b="0"/>
+      </a:lnRef>
+      <a:fillRef idx="1">
+        <a:scrgbClr r="0" g="0" b="0"/>
+      </a:fillRef>
+      <a:effectRef idx="0">
+        <a:scrgbClr r="0" g="0" b="0"/>
+      </a:effectRef>
+      <a:fontRef idx="minor">
+        <a:schemeClr val="lt1"/>
+      </a:fontRef>
+    </dgm:style>
+  </dgm:styleLbl>
+  <dgm:styleLbl name="fgSibTrans2D1">
+    <dgm:scene3d>
+      <a:camera prst="orthographicFront"/>
+      <a:lightRig rig="threePt" dir="t"/>
+    </dgm:scene3d>
+    <dgm:sp3d/>
+    <dgm:txPr/>
+    <dgm:style>
+      <a:lnRef idx="0">
+        <a:scrgbClr r="0" g="0" b="0"/>
+      </a:lnRef>
+      <a:fillRef idx="1">
+        <a:scrgbClr r="0" g="0" b="0"/>
+      </a:fillRef>
+      <a:effectRef idx="0">
+        <a:scrgbClr r="0" g="0" b="0"/>
+      </a:effectRef>
+      <a:fontRef idx="minor">
+        <a:schemeClr val="lt1"/>
+      </a:fontRef>
+    </dgm:style>
+  </dgm:styleLbl>
+  <dgm:styleLbl name="bgSibTrans2D1">
+    <dgm:scene3d>
+      <a:camera prst="orthographicFront"/>
+      <a:lightRig rig="threePt" dir="t"/>
+    </dgm:scene3d>
+    <dgm:sp3d/>
+    <dgm:txPr/>
+    <dgm:style>
+      <a:lnRef idx="0">
+        <a:scrgbClr r="0" g="0" b="0"/>
+      </a:lnRef>
+      <a:fillRef idx="1">
+        <a:scrgbClr r="0" g="0" b="0"/>
+      </a:fillRef>
+      <a:effectRef idx="0">
+        <a:scrgbClr r="0" g="0" b="0"/>
+      </a:effectRef>
+      <a:fontRef idx="minor">
+        <a:schemeClr val="lt1"/>
+      </a:fontRef>
+    </dgm:style>
+  </dgm:styleLbl>
+  <dgm:styleLbl name="sibTrans1D1">
+    <dgm:scene3d>
+      <a:camera prst="orthographicFront"/>
+      <a:lightRig rig="threePt" dir="t"/>
+    </dgm:scene3d>
+    <dgm:sp3d/>
+    <dgm:txPr/>
+    <dgm:style>
+      <a:lnRef idx="1">
+        <a:scrgbClr r="0" g="0" b="0"/>
+      </a:lnRef>
+      <a:fillRef idx="0">
+        <a:scrgbClr r="0" g="0" b="0"/>
+      </a:fillRef>
+      <a:effectRef idx="0">
+        <a:scrgbClr r="0" g="0" b="0"/>
+      </a:effectRef>
+      <a:fontRef idx="minor"/>
+    </dgm:style>
+  </dgm:styleLbl>
+  <dgm:styleLbl name="callout">
+    <dgm:scene3d>
+      <a:camera prst="orthographicFront"/>
+      <a:lightRig rig="threePt" dir="t"/>
+    </dgm:scene3d>
+    <dgm:sp3d/>
+    <dgm:txPr/>
+    <dgm:style>
+      <a:lnRef idx="2">
+        <a:scrgbClr r="0" g="0" b="0"/>
+      </a:lnRef>
+      <a:fillRef idx="1">
+        <a:scrgbClr r="0" g="0" b="0"/>
+      </a:fillRef>
+      <a:effectRef idx="0">
+        <a:scrgbClr r="0" g="0" b="0"/>
+      </a:effectRef>
+      <a:fontRef idx="minor"/>
+    </dgm:style>
+  </dgm:styleLbl>
+  <dgm:styleLbl name="asst0">
+    <dgm:scene3d>
+      <a:camera prst="orthographicFront"/>
+      <a:lightRig rig="threePt" dir="t"/>
+    </dgm:scene3d>
+    <dgm:sp3d/>
+    <dgm:txPr/>
+    <dgm:style>
+      <a:lnRef idx="2">
+        <a:scrgbClr r="0" g="0" b="0"/>
+      </a:lnRef>
+      <a:fillRef idx="1">
+        <a:scrgbClr r="0" g="0" b="0"/>
+      </a:fillRef>
+      <a:effectRef idx="0">
+        <a:scrgbClr r="0" g="0" b="0"/>
+      </a:effectRef>
+      <a:fontRef idx="minor">
+        <a:schemeClr val="lt1"/>
+      </a:fontRef>
+    </dgm:style>
+  </dgm:styleLbl>
+  <dgm:styleLbl name="asst1">
+    <dgm:scene3d>
+      <a:camera prst="orthographicFront"/>
+      <a:lightRig rig="threePt" dir="t"/>
+    </dgm:scene3d>
+    <dgm:sp3d/>
+    <dgm:txPr/>
+    <dgm:style>
+      <a:lnRef idx="2">
+        <a:scrgbClr r="0" g="0" b="0"/>
+      </a:lnRef>
+      <a:fillRef idx="1">
+        <a:scrgbClr r="0" g="0" b="0"/>
+      </a:fillRef>
+      <a:effectRef idx="0">
+        <a:scrgbClr r="0" g="0" b="0"/>
+      </a:effectRef>
+      <a:fontRef idx="minor">
+        <a:schemeClr val="lt1"/>
+      </a:fontRef>
+    </dgm:style>
+  </dgm:styleLbl>
+  <dgm:styleLbl name="asst2">
+    <dgm:scene3d>
+      <a:camera prst="orthographicFront"/>
+      <a:lightRig rig="threePt" dir="t"/>
+    </dgm:scene3d>
+    <dgm:sp3d/>
+    <dgm:txPr/>
+    <dgm:style>
+      <a:lnRef idx="2">
+        <a:scrgbClr r="0" g="0" b="0"/>
+      </a:lnRef>
+      <a:fillRef idx="1">
+        <a:scrgbClr r="0" g="0" b="0"/>
+      </a:fillRef>
+      <a:effectRef idx="0">
+        <a:scrgbClr r="0" g="0" b="0"/>
+      </a:effectRef>
+      <a:fontRef idx="minor">
+        <a:schemeClr val="lt1"/>
+      </a:fontRef>
+    </dgm:style>
+  </dgm:styleLbl>
+  <dgm:styleLbl name="asst3">
+    <dgm:scene3d>
+      <a:camera prst="orthographicFront"/>
+      <a:lightRig rig="threePt" dir="t"/>
+    </dgm:scene3d>
+    <dgm:sp3d/>
+    <dgm:txPr/>
+    <dgm:style>
+      <a:lnRef idx="2">
+        <a:scrgbClr r="0" g="0" b="0"/>
+      </a:lnRef>
+      <a:fillRef idx="1">
+        <a:scrgbClr r="0" g="0" b="0"/>
+      </a:fillRef>
+      <a:effectRef idx="0">
+        <a:scrgbClr r="0" g="0" b="0"/>
+      </a:effectRef>
+      <a:fontRef idx="minor">
+        <a:schemeClr val="lt1"/>
+      </a:fontRef>
+    </dgm:style>
+  </dgm:styleLbl>
+  <dgm:styleLbl name="asst4">
+    <dgm:scene3d>
+      <a:camera prst="orthographicFront"/>
+      <a:lightRig rig="threePt" dir="t"/>
+    </dgm:scene3d>
+    <dgm:sp3d/>
+    <dgm:txPr/>
+    <dgm:style>
+      <a:lnRef idx="2">
+        <a:scrgbClr r="0" g="0" b="0"/>
+      </a:lnRef>
+      <a:fillRef idx="1">
+        <a:scrgbClr r="0" g="0" b="0"/>
+      </a:fillRef>
+      <a:effectRef idx="0">
+        <a:scrgbClr r="0" g="0" b="0"/>
+      </a:effectRef>
+      <a:fontRef idx="minor">
+        <a:schemeClr val="lt1"/>
+      </a:fontRef>
+    </dgm:style>
+  </dgm:styleLbl>
+  <dgm:styleLbl name="parChTrans2D1">
+    <dgm:scene3d>
+      <a:camera prst="orthographicFront"/>
+      <a:lightRig rig="threePt" dir="t"/>
+    </dgm:scene3d>
+    <dgm:sp3d/>
+    <dgm:txPr/>
+    <dgm:style>
+      <a:lnRef idx="2">
+        <a:scrgbClr r="0" g="0" b="0"/>
+      </a:lnRef>
+      <a:fillRef idx="1">
+        <a:scrgbClr r="0" g="0" b="0"/>
+      </a:fillRef>
+      <a:effectRef idx="0">
+        <a:scrgbClr r="0" g="0" b="0"/>
+      </a:effectRef>
+      <a:fontRef idx="minor">
+        <a:schemeClr val="lt1"/>
+      </a:fontRef>
+    </dgm:style>
+  </dgm:styleLbl>
+  <dgm:styleLbl name="parChTrans2D2">
+    <dgm:scene3d>
+      <a:camera prst="orthographicFront"/>
+      <a:lightRig rig="threePt" dir="t"/>
+    </dgm:scene3d>
+    <dgm:sp3d/>
+    <dgm:txPr/>
+    <dgm:style>
+      <a:lnRef idx="2">
+        <a:scrgbClr r="0" g="0" b="0"/>
+      </a:lnRef>
+      <a:fillRef idx="1">
+        <a:scrgbClr r="0" g="0" b="0"/>
+      </a:fillRef>
+      <a:effectRef idx="0">
+        <a:scrgbClr r="0" g="0" b="0"/>
+      </a:effectRef>
+      <a:fontRef idx="minor">
+        <a:schemeClr val="lt1"/>
+      </a:fontRef>
+    </dgm:style>
+  </dgm:styleLbl>
+  <dgm:styleLbl name="parChTrans2D3">
+    <dgm:scene3d>
+      <a:camera prst="orthographicFront"/>
+      <a:lightRig rig="threePt" dir="t"/>
+    </dgm:scene3d>
+    <dgm:sp3d/>
+    <dgm:txPr/>
+    <dgm:style>
+      <a:lnRef idx="2">
+        <a:scrgbClr r="0" g="0" b="0"/>
+      </a:lnRef>
+      <a:fillRef idx="1">
+        <a:scrgbClr r="0" g="0" b="0"/>
+      </a:fillRef>
+      <a:effectRef idx="0">
+        <a:scrgbClr r="0" g="0" b="0"/>
+      </a:effectRef>
+      <a:fontRef idx="minor">
+        <a:schemeClr val="lt1"/>
+      </a:fontRef>
+    </dgm:style>
+  </dgm:styleLbl>
+  <dgm:styleLbl name="parChTrans2D4">
+    <dgm:scene3d>
+      <a:camera prst="orthographicFront"/>
+      <a:lightRig rig="threePt" dir="t"/>
+    </dgm:scene3d>
+    <dgm:sp3d/>
+    <dgm:txPr/>
+    <dgm:style>
+      <a:lnRef idx="2">
+        <a:scrgbClr r="0" g="0" b="0"/>
+      </a:lnRef>
+      <a:fillRef idx="1">
+        <a:scrgbClr r="0" g="0" b="0"/>
+      </a:fillRef>
+      <a:effectRef idx="0">
+        <a:scrgbClr r="0" g="0" b="0"/>
+      </a:effectRef>
+      <a:fontRef idx="minor">
+        <a:schemeClr val="lt1"/>
+      </a:fontRef>
+    </dgm:style>
+  </dgm:styleLbl>
+  <dgm:styleLbl name="parChTrans1D1">
+    <dgm:scene3d>
+      <a:camera prst="orthographicFront"/>
+      <a:lightRig rig="threePt" dir="t"/>
+    </dgm:scene3d>
+    <dgm:sp3d/>
+    <dgm:txPr/>
+    <dgm:style>
+      <a:lnRef idx="2">
+        <a:scrgbClr r="0" g="0" b="0"/>
+      </a:lnRef>
+      <a:fillRef idx="0">
+        <a:scrgbClr r="0" g="0" b="0"/>
+      </a:fillRef>
+      <a:effectRef idx="0">
+        <a:scrgbClr r="0" g="0" b="0"/>
+      </a:effectRef>
+      <a:fontRef idx="minor"/>
+    </dgm:style>
+  </dgm:styleLbl>
+  <dgm:styleLbl name="parChTrans1D2">
+    <dgm:scene3d>
+      <a:camera prst="orthographicFront"/>
+      <a:lightRig rig="threePt" dir="t"/>
+    </dgm:scene3d>
+    <dgm:sp3d/>
+    <dgm:txPr/>
+    <dgm:style>
+      <a:lnRef idx="2">
+        <a:scrgbClr r="0" g="0" b="0"/>
+      </a:lnRef>
+      <a:fillRef idx="0">
+        <a:scrgbClr r="0" g="0" b="0"/>
+      </a:fillRef>
+      <a:effectRef idx="0">
+        <a:scrgbClr r="0" g="0" b="0"/>
+      </a:effectRef>
+      <a:fontRef idx="minor"/>
+    </dgm:style>
+  </dgm:styleLbl>
+  <dgm:styleLbl name="parChTrans1D3">
+    <dgm:scene3d>
+      <a:camera prst="orthographicFront"/>
+      <a:lightRig rig="threePt" dir="t"/>
+    </dgm:scene3d>
+    <dgm:sp3d/>
+    <dgm:txPr/>
+    <dgm:style>
+      <a:lnRef idx="2">
+        <a:scrgbClr r="0" g="0" b="0"/>
+      </a:lnRef>
+      <a:fillRef idx="0">
+        <a:scrgbClr r="0" g="0" b="0"/>
+      </a:fillRef>
+      <a:effectRef idx="0">
+        <a:scrgbClr r="0" g="0" b="0"/>
+      </a:effectRef>
+      <a:fontRef idx="minor"/>
+    </dgm:style>
+  </dgm:styleLbl>
+  <dgm:styleLbl name="parChTrans1D4">
+    <dgm:scene3d>
+      <a:camera prst="orthographicFront"/>
+      <a:lightRig rig="threePt" dir="t"/>
+    </dgm:scene3d>
+    <dgm:sp3d/>
+    <dgm:txPr/>
+    <dgm:style>
+      <a:lnRef idx="2">
+        <a:scrgbClr r="0" g="0" b="0"/>
+      </a:lnRef>
+      <a:fillRef idx="0">
+        <a:scrgbClr r="0" g="0" b="0"/>
+      </a:fillRef>
+      <a:effectRef idx="0">
+        <a:scrgbClr r="0" g="0" b="0"/>
+      </a:effectRef>
+      <a:fontRef idx="minor"/>
+    </dgm:style>
+  </dgm:styleLbl>
+  <dgm:styleLbl name="fgAcc1">
+    <dgm:scene3d>
+      <a:camera prst="orthographicFront"/>
+      <a:lightRig rig="threePt" dir="t"/>
+    </dgm:scene3d>
+    <dgm:sp3d/>
+    <dgm:txPr/>
+    <dgm:style>
+      <a:lnRef idx="2">
+        <a:scrgbClr r="0" g="0" b="0"/>
+      </a:lnRef>
+      <a:fillRef idx="1">
+        <a:scrgbClr r="0" g="0" b="0"/>
+      </a:fillRef>
+      <a:effectRef idx="0">
+        <a:scrgbClr r="0" g="0" b="0"/>
+      </a:effectRef>
+      <a:fontRef idx="minor"/>
+    </dgm:style>
+  </dgm:styleLbl>
+  <dgm:styleLbl name="conFgAcc1">
+    <dgm:scene3d>
+      <a:camera prst="orthographicFront"/>
+      <a:lightRig rig="threePt" dir="t"/>
+    </dgm:scene3d>
+    <dgm:sp3d/>
+    <dgm:txPr/>
+    <dgm:style>
+      <a:lnRef idx="2">
+        <a:scrgbClr r="0" g="0" b="0"/>
+      </a:lnRef>
+      <a:fillRef idx="1">
+        <a:scrgbClr r="0" g="0" b="0"/>
+      </a:fillRef>
+      <a:effectRef idx="0">
+        <a:scrgbClr r="0" g="0" b="0"/>
+      </a:effectRef>
+      <a:fontRef idx="minor"/>
+    </dgm:style>
+  </dgm:styleLbl>
+  <dgm:styleLbl name="alignAcc1">
+    <dgm:scene3d>
+      <a:camera prst="orthographicFront"/>
+      <a:lightRig rig="threePt" dir="t"/>
+    </dgm:scene3d>
+    <dgm:sp3d/>
+    <dgm:txPr/>
+    <dgm:style>
+      <a:lnRef idx="2">
+        <a:scrgbClr r="0" g="0" b="0"/>
+      </a:lnRef>
+      <a:fillRef idx="1">
+        <a:scrgbClr r="0" g="0" b="0"/>
+      </a:fillRef>
+      <a:effectRef idx="0">
+        <a:scrgbClr r="0" g="0" b="0"/>
+      </a:effectRef>
+      <a:fontRef idx="minor"/>
+    </dgm:style>
+  </dgm:styleLbl>
+  <dgm:styleLbl name="trAlignAcc1">
+    <dgm:scene3d>
+      <a:camera prst="orthographicFront"/>
+      <a:lightRig rig="threePt" dir="t"/>
+    </dgm:scene3d>
+    <dgm:sp3d/>
+    <dgm:txPr/>
+    <dgm:style>
+      <a:lnRef idx="1">
+        <a:scrgbClr r="0" g="0" b="0"/>
+      </a:lnRef>
+      <a:fillRef idx="1">
+        <a:scrgbClr r="0" g="0" b="0"/>
+      </a:fillRef>
+      <a:effectRef idx="0">
+        <a:scrgbClr r="0" g="0" b="0"/>
+      </a:effectRef>
+      <a:fontRef idx="minor"/>
+    </dgm:style>
+  </dgm:styleLbl>
+  <dgm:styleLbl name="bgAcc1">
+    <dgm:scene3d>
+      <a:camera prst="orthographicFront"/>
+      <a:lightRig rig="threePt" dir="t"/>
+    </dgm:scene3d>
+    <dgm:sp3d/>
+    <dgm:txPr/>
+    <dgm:style>
+      <a:lnRef idx="2">
+        <a:scrgbClr r="0" g="0" b="0"/>
+      </a:lnRef>
+      <a:fillRef idx="1">
+        <a:scrgbClr r="0" g="0" b="0"/>
+      </a:fillRef>
+      <a:effectRef idx="0">
+        <a:scrgbClr r="0" g="0" b="0"/>
+      </a:effectRef>
+      <a:fontRef idx="minor"/>
+    </dgm:style>
+  </dgm:styleLbl>
+  <dgm:styleLbl name="solidFgAcc1">
+    <dgm:scene3d>
+      <a:camera prst="orthographicFront"/>
+      <a:lightRig rig="threePt" dir="t"/>
+    </dgm:scene3d>
+    <dgm:sp3d/>
+    <dgm:txPr/>
+    <dgm:style>
+      <a:lnRef idx="2">
+        <a:scrgbClr r="0" g="0" b="0"/>
+      </a:lnRef>
+      <a:fillRef idx="1">
+        <a:scrgbClr r="0" g="0" b="0"/>
+      </a:fillRef>
+      <a:effectRef idx="0">
+        <a:scrgbClr r="0" g="0" b="0"/>
+      </a:effectRef>
+      <a:fontRef idx="minor"/>
+    </dgm:style>
+  </dgm:styleLbl>
+  <dgm:styleLbl name="solidAlignAcc1">
+    <dgm:scene3d>
+      <a:camera prst="orthographicFront"/>
+      <a:lightRig rig="threePt" dir="t"/>
+    </dgm:scene3d>
+    <dgm:sp3d/>
+    <dgm:txPr/>
+    <dgm:style>
+      <a:lnRef idx="2">
+        <a:scrgbClr r="0" g="0" b="0"/>
+      </a:lnRef>
+      <a:fillRef idx="1">
+        <a:scrgbClr r="0" g="0" b="0"/>
+      </a:fillRef>
+      <a:effectRef idx="0">
+        <a:scrgbClr r="0" g="0" b="0"/>
+      </a:effectRef>
+      <a:fontRef idx="minor"/>
+    </dgm:style>
+  </dgm:styleLbl>
+  <dgm:styleLbl name="solidBgAcc1">
+    <dgm:scene3d>
+      <a:camera prst="orthographicFront"/>
+      <a:lightRig rig="threePt" dir="t"/>
+    </dgm:scene3d>
+    <dgm:sp3d/>
+    <dgm:txPr/>
+    <dgm:style>
+      <a:lnRef idx="2">
+        <a:scrgbClr r="0" g="0" b="0"/>
+      </a:lnRef>
+      <a:fillRef idx="1">
+        <a:scrgbClr r="0" g="0" b="0"/>
+      </a:fillRef>
+      <a:effectRef idx="0">
+        <a:scrgbClr r="0" g="0" b="0"/>
+      </a:effectRef>
+      <a:fontRef idx="minor"/>
+    </dgm:style>
+  </dgm:styleLbl>
+  <dgm:styleLbl name="fgAccFollowNode1">
+    <dgm:scene3d>
+      <a:camera prst="orthographicFront"/>
+      <a:lightRig rig="threePt" dir="t"/>
+    </dgm:scene3d>
+    <dgm:sp3d/>
+    <dgm:txPr/>
+    <dgm:style>
+      <a:lnRef idx="2">
+        <a:scrgbClr r="0" g="0" b="0"/>
+      </a:lnRef>
+      <a:fillRef idx="1">
+        <a:scrgbClr r="0" g="0" b="0"/>
+      </a:fillRef>
+      <a:effectRef idx="0">
+        <a:scrgbClr r="0" g="0" b="0"/>
+      </a:effectRef>
+      <a:fontRef idx="minor"/>
+    </dgm:style>
+  </dgm:styleLbl>
+  <dgm:styleLbl name="alignAccFollowNode1">
+    <dgm:scene3d>
+      <a:camera prst="orthographicFront"/>
+      <a:lightRig rig="threePt" dir="t"/>
+    </dgm:scene3d>
+    <dgm:sp3d/>
+    <dgm:txPr/>
+    <dgm:style>
+      <a:lnRef idx="2">
+        <a:scrgbClr r="0" g="0" b="0"/>
+      </a:lnRef>
+      <a:fillRef idx="1">
+        <a:scrgbClr r="0" g="0" b="0"/>
+      </a:fillRef>
+      <a:effectRef idx="0">
+        <a:scrgbClr r="0" g="0" b="0"/>
+      </a:effectRef>
+      <a:fontRef idx="minor"/>
+    </dgm:style>
+  </dgm:styleLbl>
+  <dgm:styleLbl name="bgAccFollowNode1">
+    <dgm:scene3d>
+      <a:camera prst="orthographicFront"/>
+      <a:lightRig rig="threePt" dir="t"/>
+    </dgm:scene3d>
+    <dgm:sp3d/>
+    <dgm:txPr/>
+    <dgm:style>
+      <a:lnRef idx="2">
+        <a:scrgbClr r="0" g="0" b="0"/>
+      </a:lnRef>
+      <a:fillRef idx="1">
+        <a:scrgbClr r="0" g="0" b="0"/>
+      </a:fillRef>
+      <a:effectRef idx="0">
+        <a:scrgbClr r="0" g="0" b="0"/>
+      </a:effectRef>
+      <a:fontRef idx="minor"/>
+    </dgm:style>
+  </dgm:styleLbl>
+  <dgm:styleLbl name="fgAcc0">
+    <dgm:scene3d>
+      <a:camera prst="orthographicFront"/>
+      <a:lightRig rig="threePt" dir="t"/>
+    </dgm:scene3d>
+    <dgm:sp3d/>
+    <dgm:txPr/>
+    <dgm:style>
+      <a:lnRef idx="2">
+        <a:scrgbClr r="0" g="0" b="0"/>
+      </a:lnRef>
+      <a:fillRef idx="1">
+        <a:scrgbClr r="0" g="0" b="0"/>
+      </a:fillRef>
+      <a:effectRef idx="0">
+        <a:scrgbClr r="0" g="0" b="0"/>
+      </a:effectRef>
+      <a:fontRef idx="minor"/>
+    </dgm:style>
+  </dgm:styleLbl>
+  <dgm:styleLbl name="fgAcc2">
+    <dgm:scene3d>
+      <a:camera prst="orthographicFront"/>
+      <a:lightRig rig="threePt" dir="t"/>
+    </dgm:scene3d>
+    <dgm:sp3d/>
+    <dgm:txPr/>
+    <dgm:style>
+      <a:lnRef idx="2">
+        <a:scrgbClr r="0" g="0" b="0"/>
+      </a:lnRef>
+      <a:fillRef idx="1">
+        <a:scrgbClr r="0" g="0" b="0"/>
+      </a:fillRef>
+      <a:effectRef idx="0">
+        <a:scrgbClr r="0" g="0" b="0"/>
+      </a:effectRef>
+      <a:fontRef idx="minor"/>
+    </dgm:style>
+  </dgm:styleLbl>
+  <dgm:styleLbl name="fgAcc3">
+    <dgm:scene3d>
+      <a:camera prst="orthographicFront"/>
+      <a:lightRig rig="threePt" dir="t"/>
+    </dgm:scene3d>
+    <dgm:sp3d/>
+    <dgm:txPr/>
+    <dgm:style>
+      <a:lnRef idx="2">
+        <a:scrgbClr r="0" g="0" b="0"/>
+      </a:lnRef>
+      <a:fillRef idx="1">
+        <a:scrgbClr r="0" g="0" b="0"/>
+      </a:fillRef>
+      <a:effectRef idx="0">
+        <a:scrgbClr r="0" g="0" b="0"/>
+      </a:effectRef>
+      <a:fontRef idx="minor"/>
+    </dgm:style>
+  </dgm:styleLbl>
+  <dgm:styleLbl name="fgAcc4">
+    <dgm:scene3d>
+      <a:camera prst="orthographicFront"/>
+      <a:lightRig rig="threePt" dir="t"/>
+    </dgm:scene3d>
+    <dgm:sp3d/>
+    <dgm:txPr/>
+    <dgm:style>
+      <a:lnRef idx="2">
+        <a:scrgbClr r="0" g="0" b="0"/>
+      </a:lnRef>
+      <a:fillRef idx="1">
+        <a:scrgbClr r="0" g="0" b="0"/>
+      </a:fillRef>
+      <a:effectRef idx="0">
+        <a:scrgbClr r="0" g="0" b="0"/>
+      </a:effectRef>
+      <a:fontRef idx="minor"/>
+    </dgm:style>
+  </dgm:styleLbl>
+  <dgm:styleLbl name="bgShp">
+    <dgm:scene3d>
+      <a:camera prst="orthographicFront"/>
+      <a:lightRig rig="threePt" dir="t"/>
+    </dgm:scene3d>
+    <dgm:sp3d/>
+    <dgm:txPr/>
+    <dgm:style>
+      <a:lnRef idx="0">
+        <a:scrgbClr r="0" g="0" b="0"/>
+      </a:lnRef>
+      <a:fillRef idx="1">
+        <a:scrgbClr r="0" g="0" b="0"/>
+      </a:fillRef>
+      <a:effectRef idx="0">
+        <a:scrgbClr r="0" g="0" b="0"/>
+      </a:effectRef>
+      <a:fontRef idx="minor"/>
+    </dgm:style>
+  </dgm:styleLbl>
+  <dgm:styleLbl name="dkBgShp">
+    <dgm:scene3d>
+      <a:camera prst="orthographicFront"/>
+      <a:lightRig rig="threePt" dir="t"/>
+    </dgm:scene3d>
+    <dgm:sp3d/>
+    <dgm:txPr/>
+    <dgm:style>
+      <a:lnRef idx="0">
+        <a:scrgbClr r="0" g="0" b="0"/>
+      </a:lnRef>
+      <a:fillRef idx="1">
+        <a:scrgbClr r="0" g="0" b="0"/>
+      </a:fillRef>
+      <a:effectRef idx="0">
+        <a:scrgbClr r="0" g="0" b="0"/>
+      </a:effectRef>
+      <a:fontRef idx="minor"/>
+    </dgm:style>
+  </dgm:styleLbl>
+  <dgm:styleLbl name="trBgShp">
+    <dgm:scene3d>
+      <a:camera prst="orthographicFront"/>
+      <a:lightRig rig="threePt" dir="t"/>
+    </dgm:scene3d>
+    <dgm:sp3d/>
+    <dgm:txPr/>
+    <dgm:style>
+      <a:lnRef idx="0">
+        <a:scrgbClr r="0" g="0" b="0"/>
+      </a:lnRef>
+      <a:fillRef idx="1">
+        <a:scrgbClr r="0" g="0" b="0"/>
+      </a:fillRef>
+      <a:effectRef idx="0">
+        <a:scrgbClr r="0" g="0" b="0"/>
+      </a:effectRef>
+      <a:fontRef idx="minor"/>
+    </dgm:style>
+  </dgm:styleLbl>
+  <dgm:styleLbl name="fgShp">
+    <dgm:scene3d>
+      <a:camera prst="orthographicFront"/>
+      <a:lightRig rig="threePt" dir="t"/>
+    </dgm:scene3d>
+    <dgm:sp3d/>
+    <dgm:txPr/>
+    <dgm:style>
+      <a:lnRef idx="2">
+        <a:scrgbClr r="0" g="0" b="0"/>
+      </a:lnRef>
+      <a:fillRef idx="1">
+        <a:scrgbClr r="0" g="0" b="0"/>
+      </a:fillRef>
+      <a:effectRef idx="0">
+        <a:scrgbClr r="0" g="0" b="0"/>
+      </a:effectRef>
+      <a:fontRef idx="minor"/>
+    </dgm:style>
+  </dgm:styleLbl>
+  <dgm:styleLbl name="revTx">
+    <dgm:scene3d>
+      <a:camera prst="orthographicFront"/>
+      <a:lightRig rig="threePt" dir="t"/>
+    </dgm:scene3d>
+    <dgm:sp3d/>
+    <dgm:txPr/>
+    <dgm:style>
+      <a:lnRef idx="0">
+        <a:scrgbClr r="0" g="0" b="0"/>
+      </a:lnRef>
+      <a:fillRef idx="0">
+        <a:scrgbClr r="0" g="0" b="0"/>
+      </a:fillRef>
+      <a:effectRef idx="0">
+        <a:scrgbClr r="0" g="0" b="0"/>
+      </a:effectRef>
+      <a:fontRef idx="minor"/>
+    </dgm:style>
+  </dgm:styleLbl>
+</dgm:styleDef>
 </file>
 
 <file path=ppt/notesMasters/notesMaster1.xml><?xml version="1.0" encoding="utf-8"?>
@@ -6636,31 +10113,41 @@
           </a:p>
         </p:txBody>
       </p:sp>
-      <p:sp>
-        <p:nvSpPr>
-          <p:cNvPr id="3" name="Content Placeholder 2">
+      <p:pic>
+        <p:nvPicPr>
+          <p:cNvPr id="5" name="Content Placeholder 4">
             <a:extLst>
               <a:ext uri="{FF2B5EF4-FFF2-40B4-BE49-F238E27FC236}">
-                <a16:creationId xmlns:a16="http://schemas.microsoft.com/office/drawing/2014/main" id="{E2B8F577-4B24-4D8C-90CB-A328E3E95A19}"/>
+                <a16:creationId xmlns:a16="http://schemas.microsoft.com/office/drawing/2014/main" id="{7711C3B1-01BC-4D3A-BF4A-62E2EA88141F}"/>
               </a:ext>
             </a:extLst>
           </p:cNvPr>
-          <p:cNvSpPr>
-            <a:spLocks noGrp="1"/>
-          </p:cNvSpPr>
+          <p:cNvPicPr>
+            <a:picLocks noGrp="1" noChangeAspect="1"/>
+          </p:cNvPicPr>
           <p:nvPr>
             <p:ph idx="1"/>
           </p:nvPr>
-        </p:nvSpPr>
-        <p:spPr/>
-        <p:txBody>
-          <a:bodyPr/>
-          <a:lstStyle/>
-          <a:p>
-            <a:endParaRPr lang="en-US"/>
-          </a:p>
-        </p:txBody>
-      </p:sp>
+        </p:nvPicPr>
+        <p:blipFill>
+          <a:blip r:embed="rId2">
+            <a:extLst>
+              <a:ext uri="{28A0092B-C50C-407E-A947-70E740481C1C}">
+                <a14:useLocalDpi xmlns:a14="http://schemas.microsoft.com/office/drawing/2010/main" val="0"/>
+              </a:ext>
+            </a:extLst>
+          </a:blip>
+          <a:stretch>
+            <a:fillRect/>
+          </a:stretch>
+        </p:blipFill>
+        <p:spPr>
+          <a:xfrm>
+            <a:off x="1096963" y="2781898"/>
+            <a:ext cx="10058400" cy="2151455"/>
+          </a:xfrm>
+        </p:spPr>
+      </p:pic>
     </p:spTree>
     <p:extLst>
       <p:ext uri="{BB962C8B-B14F-4D97-AF65-F5344CB8AC3E}">
@@ -6719,31 +10206,37 @@
           </a:p>
         </p:txBody>
       </p:sp>
-      <p:sp>
-        <p:nvSpPr>
-          <p:cNvPr id="3" name="Content Placeholder 2">
+      <p:graphicFrame>
+        <p:nvGraphicFramePr>
+          <p:cNvPr id="4" name="Content Placeholder 3">
             <a:extLst>
               <a:ext uri="{FF2B5EF4-FFF2-40B4-BE49-F238E27FC236}">
-                <a16:creationId xmlns:a16="http://schemas.microsoft.com/office/drawing/2014/main" id="{C5D343A1-BC82-48DF-9E0F-7E389139EE24}"/>
+                <a16:creationId xmlns:a16="http://schemas.microsoft.com/office/drawing/2014/main" id="{4A856E75-AB4F-4099-A58A-8D1143211FA3}"/>
               </a:ext>
             </a:extLst>
           </p:cNvPr>
-          <p:cNvSpPr>
-            <a:spLocks noGrp="1"/>
-          </p:cNvSpPr>
+          <p:cNvGraphicFramePr>
+            <a:graphicFrameLocks noGrp="1"/>
+          </p:cNvGraphicFramePr>
           <p:nvPr>
             <p:ph idx="1"/>
+            <p:extLst>
+              <p:ext uri="{D42A27DB-BD31-4B8C-83A1-F6EECF244321}">
+                <p14:modId xmlns:p14="http://schemas.microsoft.com/office/powerpoint/2010/main" val="1532964945"/>
+              </p:ext>
+            </p:extLst>
           </p:nvPr>
-        </p:nvSpPr>
-        <p:spPr/>
-        <p:txBody>
-          <a:bodyPr/>
-          <a:lstStyle/>
-          <a:p>
-            <a:endParaRPr lang="en-US"/>
-          </a:p>
-        </p:txBody>
-      </p:sp>
+        </p:nvGraphicFramePr>
+        <p:xfrm>
+          <a:off x="1096963" y="1846263"/>
+          <a:ext cx="10058400" cy="4022725"/>
+        </p:xfrm>
+        <a:graphic>
+          <a:graphicData uri="http://schemas.openxmlformats.org/drawingml/2006/diagram">
+            <dgm:relIds xmlns:dgm="http://schemas.openxmlformats.org/drawingml/2006/diagram" xmlns:r="http://schemas.openxmlformats.org/officeDocument/2006/relationships" r:dm="rId2" r:lo="rId3" r:qs="rId4" r:cs="rId5"/>
+          </a:graphicData>
+        </a:graphic>
+      </p:graphicFrame>
     </p:spTree>
     <p:extLst>
       <p:ext uri="{BB962C8B-B14F-4D97-AF65-F5344CB8AC3E}">
@@ -7022,6 +10515,16 @@
         <p:txBody>
           <a:bodyPr/>
           <a:lstStyle/>
+          <a:p>
+            <a:pPr lvl="1">
+              <a:buFont typeface="Courier New" panose="02070309020205020404" pitchFamily="49" charset="0"/>
+              <a:buChar char="o"/>
+            </a:pPr>
+            <a:r>
+              <a:rPr lang="en-US" dirty="0"/>
+              <a:t>Outputs customer name with the customers’ predicted probability of purchasing</a:t>
+            </a:r>
+          </a:p>
           <a:p>
             <a:pPr lvl="1">
               <a:buFont typeface="Courier New" panose="02070309020205020404" pitchFamily="49" charset="0"/>
